--- a/html/화면설계서/161101 화면설계서.pptx
+++ b/html/화면설계서/161101 화면설계서.pptx
@@ -8,17 +8,20 @@
     <p:sldId id="269" r:id="rId2"/>
     <p:sldId id="256" r:id="rId3"/>
     <p:sldId id="257" r:id="rId4"/>
-    <p:sldId id="258" r:id="rId5"/>
-    <p:sldId id="259" r:id="rId6"/>
-    <p:sldId id="260" r:id="rId7"/>
-    <p:sldId id="261" r:id="rId8"/>
-    <p:sldId id="262" r:id="rId9"/>
-    <p:sldId id="263" r:id="rId10"/>
-    <p:sldId id="264" r:id="rId11"/>
-    <p:sldId id="265" r:id="rId12"/>
-    <p:sldId id="266" r:id="rId13"/>
-    <p:sldId id="267" r:id="rId14"/>
-    <p:sldId id="268" r:id="rId15"/>
+    <p:sldId id="270" r:id="rId5"/>
+    <p:sldId id="271" r:id="rId6"/>
+    <p:sldId id="272" r:id="rId7"/>
+    <p:sldId id="273" r:id="rId8"/>
+    <p:sldId id="259" r:id="rId9"/>
+    <p:sldId id="260" r:id="rId10"/>
+    <p:sldId id="261" r:id="rId11"/>
+    <p:sldId id="262" r:id="rId12"/>
+    <p:sldId id="263" r:id="rId13"/>
+    <p:sldId id="264" r:id="rId14"/>
+    <p:sldId id="265" r:id="rId15"/>
+    <p:sldId id="266" r:id="rId16"/>
+    <p:sldId id="267" r:id="rId17"/>
+    <p:sldId id="268" r:id="rId18"/>
   </p:sldIdLst>
   <p:sldSz cx="9144000" cy="6858000" type="screen4x3"/>
   <p:notesSz cx="6858000" cy="9144000"/>
@@ -301,7 +304,7 @@
           <a:p>
             <a:fld id="{4B7B79F8-3BA1-4804-BD68-15690B0DA5E3}" type="datetimeFigureOut">
               <a:rPr lang="ko-KR" altLang="en-US" smtClean="0"/>
-              <a:t>2016-11-01</a:t>
+              <a:t>2016-11-07</a:t>
             </a:fld>
             <a:endParaRPr lang="ko-KR" altLang="en-US"/>
           </a:p>
@@ -471,7 +474,7 @@
           <a:p>
             <a:fld id="{4B7B79F8-3BA1-4804-BD68-15690B0DA5E3}" type="datetimeFigureOut">
               <a:rPr lang="ko-KR" altLang="en-US" smtClean="0"/>
-              <a:t>2016-11-01</a:t>
+              <a:t>2016-11-07</a:t>
             </a:fld>
             <a:endParaRPr lang="ko-KR" altLang="en-US"/>
           </a:p>
@@ -651,7 +654,7 @@
           <a:p>
             <a:fld id="{4B7B79F8-3BA1-4804-BD68-15690B0DA5E3}" type="datetimeFigureOut">
               <a:rPr lang="ko-KR" altLang="en-US" smtClean="0"/>
-              <a:t>2016-11-01</a:t>
+              <a:t>2016-11-07</a:t>
             </a:fld>
             <a:endParaRPr lang="ko-KR" altLang="en-US"/>
           </a:p>
@@ -821,7 +824,7 @@
           <a:p>
             <a:fld id="{4B7B79F8-3BA1-4804-BD68-15690B0DA5E3}" type="datetimeFigureOut">
               <a:rPr lang="ko-KR" altLang="en-US" smtClean="0"/>
-              <a:t>2016-11-01</a:t>
+              <a:t>2016-11-07</a:t>
             </a:fld>
             <a:endParaRPr lang="ko-KR" altLang="en-US"/>
           </a:p>
@@ -1067,7 +1070,7 @@
           <a:p>
             <a:fld id="{4B7B79F8-3BA1-4804-BD68-15690B0DA5E3}" type="datetimeFigureOut">
               <a:rPr lang="ko-KR" altLang="en-US" smtClean="0"/>
-              <a:t>2016-11-01</a:t>
+              <a:t>2016-11-07</a:t>
             </a:fld>
             <a:endParaRPr lang="ko-KR" altLang="en-US"/>
           </a:p>
@@ -1355,7 +1358,7 @@
           <a:p>
             <a:fld id="{4B7B79F8-3BA1-4804-BD68-15690B0DA5E3}" type="datetimeFigureOut">
               <a:rPr lang="ko-KR" altLang="en-US" smtClean="0"/>
-              <a:t>2016-11-01</a:t>
+              <a:t>2016-11-07</a:t>
             </a:fld>
             <a:endParaRPr lang="ko-KR" altLang="en-US"/>
           </a:p>
@@ -1777,7 +1780,7 @@
           <a:p>
             <a:fld id="{4B7B79F8-3BA1-4804-BD68-15690B0DA5E3}" type="datetimeFigureOut">
               <a:rPr lang="ko-KR" altLang="en-US" smtClean="0"/>
-              <a:t>2016-11-01</a:t>
+              <a:t>2016-11-07</a:t>
             </a:fld>
             <a:endParaRPr lang="ko-KR" altLang="en-US"/>
           </a:p>
@@ -1895,7 +1898,7 @@
           <a:p>
             <a:fld id="{4B7B79F8-3BA1-4804-BD68-15690B0DA5E3}" type="datetimeFigureOut">
               <a:rPr lang="ko-KR" altLang="en-US" smtClean="0"/>
-              <a:t>2016-11-01</a:t>
+              <a:t>2016-11-07</a:t>
             </a:fld>
             <a:endParaRPr lang="ko-KR" altLang="en-US"/>
           </a:p>
@@ -1990,7 +1993,7 @@
           <a:p>
             <a:fld id="{4B7B79F8-3BA1-4804-BD68-15690B0DA5E3}" type="datetimeFigureOut">
               <a:rPr lang="ko-KR" altLang="en-US" smtClean="0"/>
-              <a:t>2016-11-01</a:t>
+              <a:t>2016-11-07</a:t>
             </a:fld>
             <a:endParaRPr lang="ko-KR" altLang="en-US"/>
           </a:p>
@@ -2267,7 +2270,7 @@
           <a:p>
             <a:fld id="{4B7B79F8-3BA1-4804-BD68-15690B0DA5E3}" type="datetimeFigureOut">
               <a:rPr lang="ko-KR" altLang="en-US" smtClean="0"/>
-              <a:t>2016-11-01</a:t>
+              <a:t>2016-11-07</a:t>
             </a:fld>
             <a:endParaRPr lang="ko-KR" altLang="en-US"/>
           </a:p>
@@ -2520,7 +2523,7 @@
           <a:p>
             <a:fld id="{4B7B79F8-3BA1-4804-BD68-15690B0DA5E3}" type="datetimeFigureOut">
               <a:rPr lang="ko-KR" altLang="en-US" smtClean="0"/>
-              <a:t>2016-11-01</a:t>
+              <a:t>2016-11-07</a:t>
             </a:fld>
             <a:endParaRPr lang="ko-KR" altLang="en-US"/>
           </a:p>
@@ -2733,7 +2736,7 @@
           <a:p>
             <a:fld id="{4B7B79F8-3BA1-4804-BD68-15690B0DA5E3}" type="datetimeFigureOut">
               <a:rPr lang="ko-KR" altLang="en-US" smtClean="0"/>
-              <a:t>2016-11-01</a:t>
+              <a:t>2016-11-07</a:t>
             </a:fld>
             <a:endParaRPr lang="ko-KR" altLang="en-US"/>
           </a:p>
@@ -3200,8 +3203,8 @@
         </p:nvSpPr>
         <p:spPr>
           <a:xfrm>
-            <a:off x="3707908" y="5951021"/>
-            <a:ext cx="1651414" cy="646331"/>
+            <a:off x="3585855" y="5807005"/>
+            <a:ext cx="1895519" cy="646331"/>
           </a:xfrm>
           <a:prstGeom prst="rect">
             <a:avLst/>
@@ -3217,23 +3220,18 @@
             <a:pPr algn="just"/>
             <a:r>
               <a:rPr lang="en-US" altLang="ko-KR" dirty="0" smtClean="0"/>
-              <a:t>meeting.html</a:t>
-            </a:r>
-            <a:endParaRPr lang="en-US" altLang="ko-KR" dirty="0"/>
+              <a:t>notice_view.html</a:t>
+            </a:r>
           </a:p>
           <a:p>
             <a:pPr algn="just"/>
             <a:r>
               <a:rPr lang="ko-KR" altLang="en-US" dirty="0" smtClean="0"/>
-              <a:t>회의</a:t>
-            </a:r>
-            <a:r>
-              <a:rPr lang="ko-KR" altLang="en-US" dirty="0"/>
-              <a:t>실</a:t>
-            </a:r>
-            <a:r>
-              <a:rPr lang="ko-KR" altLang="en-US" dirty="0" smtClean="0"/>
-              <a:t> 페이지</a:t>
+              <a:t>공지사항 </a:t>
+            </a:r>
+            <a:r>
+              <a:rPr lang="ko-KR" altLang="en-US" dirty="0" err="1" smtClean="0"/>
+              <a:t>글보기</a:t>
             </a:r>
             <a:endParaRPr lang="en-US" altLang="ko-KR" dirty="0" smtClean="0"/>
           </a:p>
@@ -3241,7 +3239,7 @@
       </p:sp>
       <p:pic>
         <p:nvPicPr>
-          <p:cNvPr id="8194" name="Picture 2" descr="Z:\업무\git\스토리보드\meeting.JPG"/>
+          <p:cNvPr id="5122" name="Picture 2" descr="Z:\업무\git\스토리보드\notice_view.jpg"/>
           <p:cNvPicPr>
             <a:picLocks noChangeAspect="1" noChangeArrowheads="1"/>
           </p:cNvPicPr>
@@ -3262,8 +3260,8 @@
         </p:blipFill>
         <p:spPr bwMode="auto">
           <a:xfrm>
-            <a:off x="1475656" y="230806"/>
-            <a:ext cx="6386548" cy="5718474"/>
+            <a:off x="737516" y="228798"/>
+            <a:ext cx="7592197" cy="5445224"/>
           </a:xfrm>
           <a:prstGeom prst="rect">
             <a:avLst/>
@@ -3288,8 +3286,8 @@
         </p:nvSpPr>
         <p:spPr>
           <a:xfrm>
-            <a:off x="2771800" y="1052736"/>
-            <a:ext cx="792088" cy="575270"/>
+            <a:off x="5076056" y="1124744"/>
+            <a:ext cx="792088" cy="288032"/>
           </a:xfrm>
           <a:prstGeom prst="frame">
             <a:avLst/>
@@ -3338,8 +3336,8 @@
         </p:nvSpPr>
         <p:spPr>
           <a:xfrm>
-            <a:off x="3493042" y="1249015"/>
-            <a:ext cx="2151551" cy="307777"/>
+            <a:off x="4211960" y="692696"/>
+            <a:ext cx="3732560" cy="307777"/>
           </a:xfrm>
           <a:prstGeom prst="rect">
             <a:avLst/>
@@ -3353,31 +3351,105 @@
           <a:lstStyle/>
           <a:p>
             <a:r>
-              <a:rPr lang="ko-KR" altLang="en-US" sz="1400" b="1" dirty="0" err="1" smtClean="0"/>
-              <a:t>팀회의</a:t>
-            </a:r>
-            <a:r>
-              <a:rPr lang="en-US" altLang="ko-KR" sz="1400" b="1" dirty="0" smtClean="0"/>
-              <a:t>, </a:t>
-            </a:r>
-            <a:r>
-              <a:rPr lang="ko-KR" altLang="en-US" sz="1400" b="1" dirty="0" smtClean="0"/>
-              <a:t>임직원회의 선택</a:t>
-            </a:r>
-            <a:endParaRPr lang="ko-KR" altLang="en-US" sz="1400" b="1" dirty="0"/>
-          </a:p>
-        </p:txBody>
-      </p:sp>
-      <p:sp>
-        <p:nvSpPr>
-          <p:cNvPr id="7" name="TextBox 6"/>
+              <a:rPr lang="en-US" altLang="ko-KR" sz="1400" b="1" dirty="0" smtClean="0">
+                <a:solidFill>
+                  <a:schemeClr val="bg1"/>
+                </a:solidFill>
+              </a:rPr>
+              <a:t>modify</a:t>
+            </a:r>
+            <a:r>
+              <a:rPr lang="ko-KR" altLang="en-US" sz="1400" b="1" dirty="0" smtClean="0">
+                <a:solidFill>
+                  <a:schemeClr val="bg1"/>
+                </a:solidFill>
+              </a:rPr>
+              <a:t>버튼 누르면 </a:t>
+            </a:r>
+            <a:r>
+              <a:rPr lang="ko-KR" altLang="en-US" sz="1400" b="1" dirty="0" err="1" smtClean="0">
+                <a:solidFill>
+                  <a:schemeClr val="bg1"/>
+                </a:solidFill>
+              </a:rPr>
+              <a:t>글수정</a:t>
+            </a:r>
+            <a:r>
+              <a:rPr lang="ko-KR" altLang="en-US" sz="1400" b="1" dirty="0" smtClean="0">
+                <a:solidFill>
+                  <a:schemeClr val="bg1"/>
+                </a:solidFill>
+              </a:rPr>
+              <a:t> 페이지로 넘어감</a:t>
+            </a:r>
+            <a:endParaRPr lang="ko-KR" altLang="en-US" sz="1400" b="1" dirty="0">
+              <a:solidFill>
+                <a:schemeClr val="bg1"/>
+              </a:solidFill>
+            </a:endParaRPr>
+          </a:p>
+        </p:txBody>
+      </p:sp>
+      <p:sp>
+        <p:nvSpPr>
+          <p:cNvPr id="7" name="액자 6"/>
+          <p:cNvSpPr/>
+          <p:nvPr/>
+        </p:nvSpPr>
+        <p:spPr>
+          <a:xfrm>
+            <a:off x="5940152" y="1124744"/>
+            <a:ext cx="792088" cy="288032"/>
+          </a:xfrm>
+          <a:prstGeom prst="frame">
+            <a:avLst/>
+          </a:prstGeom>
+          <a:solidFill>
+            <a:srgbClr val="C00000"/>
+          </a:solidFill>
+          <a:ln>
+            <a:noFill/>
+          </a:ln>
+        </p:spPr>
+        <p:style>
+          <a:lnRef idx="2">
+            <a:schemeClr val="accent1">
+              <a:shade val="50000"/>
+            </a:schemeClr>
+          </a:lnRef>
+          <a:fillRef idx="1">
+            <a:schemeClr val="accent1"/>
+          </a:fillRef>
+          <a:effectRef idx="0">
+            <a:schemeClr val="accent1"/>
+          </a:effectRef>
+          <a:fontRef idx="minor">
+            <a:schemeClr val="lt1"/>
+          </a:fontRef>
+        </p:style>
+        <p:txBody>
+          <a:bodyPr rtlCol="0" anchor="ctr"/>
+          <a:lstStyle/>
+          <a:p>
+            <a:pPr algn="ctr"/>
+            <a:endParaRPr lang="ko-KR" altLang="en-US">
+              <a:solidFill>
+                <a:schemeClr val="tx1"/>
+              </a:solidFill>
+            </a:endParaRPr>
+          </a:p>
+        </p:txBody>
+      </p:sp>
+      <p:sp>
+        <p:nvSpPr>
+          <p:cNvPr id="8" name="TextBox 7"/>
           <p:cNvSpPr txBox="1"/>
           <p:nvPr/>
         </p:nvSpPr>
         <p:spPr>
           <a:xfrm>
-            <a:off x="251520" y="188640"/>
-            <a:ext cx="1773242" cy="400110"/>
+            <a:off x="5831914" y="1340768"/>
+            <a:ext cx="2517741" cy="738664"/>
           </a:xfrm>
           <a:prstGeom prst="rect">
             <a:avLst/>
@@ -3391,6 +3463,74 @@
           <a:lstStyle/>
           <a:p>
             <a:r>
+              <a:rPr lang="en-US" altLang="ko-KR" sz="1400" b="1" dirty="0" smtClean="0"/>
+              <a:t>delete</a:t>
+            </a:r>
+            <a:r>
+              <a:rPr lang="ko-KR" altLang="en-US" sz="1400" b="1" dirty="0" smtClean="0"/>
+              <a:t>버튼 누르면 </a:t>
+            </a:r>
+            <a:endParaRPr lang="en-US" altLang="ko-KR" sz="1400" b="1" dirty="0" smtClean="0"/>
+          </a:p>
+          <a:p>
+            <a:r>
+              <a:rPr lang="en-US" altLang="ko-KR" sz="1400" b="1" dirty="0" smtClean="0"/>
+              <a:t>pw</a:t>
+            </a:r>
+            <a:r>
+              <a:rPr lang="ko-KR" altLang="en-US" sz="1400" b="1" dirty="0" smtClean="0"/>
+              <a:t> 확인</a:t>
+            </a:r>
+            <a:r>
+              <a:rPr lang="en-US" altLang="ko-KR" sz="1400" b="1" dirty="0"/>
+              <a:t> a</a:t>
+            </a:r>
+            <a:r>
+              <a:rPr lang="en-US" altLang="ko-KR" sz="1400" b="1" dirty="0" smtClean="0"/>
+              <a:t>lert</a:t>
+            </a:r>
+            <a:r>
+              <a:rPr lang="ko-KR" altLang="en-US" sz="1400" b="1" dirty="0" smtClean="0"/>
+              <a:t>창이 띄워지고 </a:t>
+            </a:r>
+            <a:endParaRPr lang="en-US" altLang="ko-KR" sz="1400" b="1" dirty="0" smtClean="0"/>
+          </a:p>
+          <a:p>
+            <a:r>
+              <a:rPr lang="en-US" altLang="ko-KR" sz="1400" b="1" dirty="0" smtClean="0"/>
+              <a:t>pw</a:t>
+            </a:r>
+            <a:r>
+              <a:rPr lang="ko-KR" altLang="en-US" sz="1400" b="1" dirty="0" smtClean="0"/>
+              <a:t>가 맞아야 삭제 가능</a:t>
+            </a:r>
+            <a:endParaRPr lang="ko-KR" altLang="en-US" sz="1400" b="1" dirty="0"/>
+          </a:p>
+        </p:txBody>
+      </p:sp>
+      <p:sp>
+        <p:nvSpPr>
+          <p:cNvPr id="9" name="TextBox 8"/>
+          <p:cNvSpPr txBox="1"/>
+          <p:nvPr/>
+        </p:nvSpPr>
+        <p:spPr>
+          <a:xfrm>
+            <a:off x="251520" y="188640"/>
+            <a:ext cx="2029723" cy="400110"/>
+          </a:xfrm>
+          <a:prstGeom prst="rect">
+            <a:avLst/>
+          </a:prstGeom>
+          <a:noFill/>
+        </p:spPr>
+        <p:txBody>
+          <a:bodyPr wrap="none" rtlCol="0">
+            <a:spAutoFit/>
+          </a:bodyPr>
+          <a:lstStyle/>
+          <a:p>
+            <a:r>
               <a:rPr lang="ko-KR" altLang="en-US" sz="2000" b="1" dirty="0" smtClean="0">
                 <a:solidFill>
                   <a:srgbClr val="C00000"/>
@@ -3399,28 +3539,20 @@
               <a:t>메뉴</a:t>
             </a:r>
             <a:r>
-              <a:rPr lang="en-US" altLang="ko-KR" sz="2000" b="1" dirty="0">
+              <a:rPr lang="en-US" altLang="ko-KR" sz="2000" b="1" dirty="0" smtClean="0">
                 <a:solidFill>
                   <a:srgbClr val="C00000"/>
                 </a:solidFill>
               </a:rPr>
-              <a:t>4</a:t>
-            </a:r>
-            <a:r>
-              <a:rPr lang="en-US" altLang="ko-KR" sz="2000" b="1" dirty="0" smtClean="0">
+              <a:t>2. </a:t>
+            </a:r>
+            <a:r>
+              <a:rPr lang="ko-KR" altLang="en-US" sz="2000" b="1" dirty="0" smtClean="0">
                 <a:solidFill>
                   <a:srgbClr val="C00000"/>
                 </a:solidFill>
               </a:rPr>
-              <a:t>. </a:t>
-            </a:r>
-            <a:r>
-              <a:rPr lang="ko-KR" altLang="en-US" sz="2000" b="1" dirty="0" smtClean="0">
-                <a:solidFill>
-                  <a:srgbClr val="C00000"/>
-                </a:solidFill>
-              </a:rPr>
-              <a:t>회의실</a:t>
+              <a:t>공지사항</a:t>
             </a:r>
             <a:endParaRPr lang="ko-KR" altLang="en-US" sz="2000" b="1" dirty="0">
               <a:solidFill>
@@ -3433,7 +3565,7 @@
     </p:spTree>
     <p:extLst>
       <p:ext uri="{BB962C8B-B14F-4D97-AF65-F5344CB8AC3E}">
-        <p14:creationId xmlns:p14="http://schemas.microsoft.com/office/powerpoint/2010/main" val="3103266703"/>
+        <p14:creationId xmlns:p14="http://schemas.microsoft.com/office/powerpoint/2010/main" val="3300247124"/>
       </p:ext>
     </p:extLst>
   </p:cSld>
@@ -3468,8 +3600,8 @@
         </p:nvSpPr>
         <p:spPr>
           <a:xfrm>
-            <a:off x="3352267" y="6021288"/>
-            <a:ext cx="2362698" cy="646331"/>
+            <a:off x="3453928" y="5807005"/>
+            <a:ext cx="2159374" cy="646331"/>
           </a:xfrm>
           <a:prstGeom prst="rect">
             <a:avLst/>
@@ -3484,20 +3616,23 @@
           <a:p>
             <a:pPr algn="just"/>
             <a:r>
-              <a:rPr lang="en-US" altLang="ko-KR" dirty="0"/>
-              <a:t>d</a:t>
-            </a:r>
-            <a:r>
               <a:rPr lang="en-US" altLang="ko-KR" dirty="0" smtClean="0"/>
-              <a:t>ocument_form.html</a:t>
-            </a:r>
-            <a:endParaRPr lang="en-US" altLang="ko-KR" dirty="0"/>
+              <a:t>notice_modify.html</a:t>
+            </a:r>
           </a:p>
           <a:p>
             <a:pPr algn="just"/>
             <a:r>
               <a:rPr lang="ko-KR" altLang="en-US" dirty="0" smtClean="0"/>
-              <a:t>결재문서 페이지</a:t>
+              <a:t>공지사항 </a:t>
+            </a:r>
+            <a:r>
+              <a:rPr lang="ko-KR" altLang="en-US" dirty="0" err="1" smtClean="0"/>
+              <a:t>글수</a:t>
+            </a:r>
+            <a:r>
+              <a:rPr lang="ko-KR" altLang="en-US" dirty="0" err="1"/>
+              <a:t>정</a:t>
             </a:r>
             <a:endParaRPr lang="en-US" altLang="ko-KR" dirty="0" smtClean="0"/>
           </a:p>
@@ -3505,7 +3640,7 @@
       </p:sp>
       <p:pic>
         <p:nvPicPr>
-          <p:cNvPr id="9218" name="Picture 2" descr="Z:\업무\git\스토리보드\document_form.JPG"/>
+          <p:cNvPr id="6146" name="Picture 2" descr="Z:\업무\git\스토리보드\notice_modify.jpg"/>
           <p:cNvPicPr>
             <a:picLocks noChangeAspect="1" noChangeArrowheads="1"/>
           </p:cNvPicPr>
@@ -3526,8 +3661,8 @@
         </p:blipFill>
         <p:spPr bwMode="auto">
           <a:xfrm>
-            <a:off x="473975" y="116632"/>
-            <a:ext cx="8274489" cy="5870104"/>
+            <a:off x="899592" y="188640"/>
+            <a:ext cx="7200800" cy="5369118"/>
           </a:xfrm>
           <a:prstGeom prst="rect">
             <a:avLst/>
@@ -3546,14 +3681,14 @@
       </p:pic>
       <p:sp>
         <p:nvSpPr>
-          <p:cNvPr id="7" name="액자 6"/>
+          <p:cNvPr id="5" name="액자 4"/>
           <p:cNvSpPr/>
           <p:nvPr/>
         </p:nvSpPr>
         <p:spPr>
           <a:xfrm>
-            <a:off x="1835696" y="1772816"/>
-            <a:ext cx="648072" cy="288032"/>
+            <a:off x="5663976" y="1268760"/>
+            <a:ext cx="792088" cy="288032"/>
           </a:xfrm>
           <a:prstGeom prst="frame">
             <a:avLst/>
@@ -3596,14 +3731,14 @@
       </p:sp>
       <p:sp>
         <p:nvSpPr>
-          <p:cNvPr id="8" name="TextBox 7"/>
+          <p:cNvPr id="6" name="TextBox 5"/>
           <p:cNvSpPr txBox="1"/>
           <p:nvPr/>
         </p:nvSpPr>
         <p:spPr>
           <a:xfrm>
-            <a:off x="2411760" y="1772816"/>
-            <a:ext cx="1792478" cy="307777"/>
+            <a:off x="4788024" y="673532"/>
+            <a:ext cx="3241528" cy="523220"/>
           </a:xfrm>
           <a:prstGeom prst="rect">
             <a:avLst/>
@@ -3617,81 +3752,54 @@
           <a:lstStyle/>
           <a:p>
             <a:r>
-              <a:rPr lang="ko-KR" altLang="en-US" sz="1400" b="1" dirty="0" smtClean="0"/>
-              <a:t>품의서</a:t>
-            </a:r>
-            <a:r>
-              <a:rPr lang="en-US" altLang="ko-KR" sz="1400" b="1" dirty="0" smtClean="0"/>
-              <a:t>, </a:t>
-            </a:r>
-            <a:r>
-              <a:rPr lang="ko-KR" altLang="en-US" sz="1400" b="1" dirty="0" smtClean="0"/>
-              <a:t>제안서 선택</a:t>
-            </a:r>
-            <a:endParaRPr lang="ko-KR" altLang="en-US" sz="1400" b="1" dirty="0"/>
-          </a:p>
-        </p:txBody>
-      </p:sp>
-      <p:sp>
-        <p:nvSpPr>
-          <p:cNvPr id="9" name="액자 8"/>
-          <p:cNvSpPr/>
-          <p:nvPr/>
-        </p:nvSpPr>
-        <p:spPr>
-          <a:xfrm>
-            <a:off x="3995936" y="5425479"/>
-            <a:ext cx="648072" cy="288032"/>
-          </a:xfrm>
-          <a:prstGeom prst="frame">
-            <a:avLst/>
-          </a:prstGeom>
-          <a:solidFill>
-            <a:srgbClr val="C00000"/>
-          </a:solidFill>
-          <a:ln>
-            <a:noFill/>
-          </a:ln>
-        </p:spPr>
-        <p:style>
-          <a:lnRef idx="2">
-            <a:schemeClr val="accent1">
-              <a:shade val="50000"/>
-            </a:schemeClr>
-          </a:lnRef>
-          <a:fillRef idx="1">
-            <a:schemeClr val="accent1"/>
-          </a:fillRef>
-          <a:effectRef idx="0">
-            <a:schemeClr val="accent1"/>
-          </a:effectRef>
-          <a:fontRef idx="minor">
-            <a:schemeClr val="lt1"/>
-          </a:fontRef>
-        </p:style>
-        <p:txBody>
-          <a:bodyPr rtlCol="0" anchor="ctr"/>
-          <a:lstStyle/>
-          <a:p>
-            <a:pPr algn="ctr"/>
-            <a:endParaRPr lang="ko-KR" altLang="en-US">
+              <a:rPr lang="en-US" altLang="ko-KR" sz="1400" b="1" dirty="0" smtClean="0">
+                <a:solidFill>
+                  <a:schemeClr val="bg1"/>
+                </a:solidFill>
+              </a:rPr>
+              <a:t>register</a:t>
+            </a:r>
+            <a:r>
+              <a:rPr lang="ko-KR" altLang="en-US" sz="1400" b="1" dirty="0" smtClean="0">
+                <a:solidFill>
+                  <a:schemeClr val="bg1"/>
+                </a:solidFill>
+              </a:rPr>
+              <a:t>버튼 누르면 수정완료 된 글이</a:t>
+            </a:r>
+            <a:endParaRPr lang="en-US" altLang="ko-KR" sz="1400" b="1" dirty="0" smtClean="0">
               <a:solidFill>
-                <a:schemeClr val="tx1"/>
+                <a:schemeClr val="bg1"/>
               </a:solidFill>
             </a:endParaRPr>
           </a:p>
-        </p:txBody>
-      </p:sp>
-      <p:sp>
-        <p:nvSpPr>
-          <p:cNvPr id="10" name="TextBox 9"/>
+          <a:p>
+            <a:r>
+              <a:rPr lang="ko-KR" altLang="en-US" sz="1400" b="1" dirty="0" smtClean="0">
+                <a:solidFill>
+                  <a:schemeClr val="bg1"/>
+                </a:solidFill>
+              </a:rPr>
+              <a:t>올라간 목록페이지로 넘어감</a:t>
+            </a:r>
+            <a:endParaRPr lang="ko-KR" altLang="en-US" sz="1400" b="1" dirty="0">
+              <a:solidFill>
+                <a:schemeClr val="bg1"/>
+              </a:solidFill>
+            </a:endParaRPr>
+          </a:p>
+        </p:txBody>
+      </p:sp>
+      <p:sp>
+        <p:nvSpPr>
+          <p:cNvPr id="7" name="TextBox 6"/>
           <p:cNvSpPr txBox="1"/>
           <p:nvPr/>
         </p:nvSpPr>
         <p:spPr>
           <a:xfrm>
-            <a:off x="4572000" y="5425479"/>
-            <a:ext cx="4204997" cy="307777"/>
+            <a:off x="251520" y="188640"/>
+            <a:ext cx="2029723" cy="400110"/>
           </a:xfrm>
           <a:prstGeom prst="rect">
             <a:avLst/>
@@ -3705,40 +3813,6 @@
           <a:lstStyle/>
           <a:p>
             <a:r>
-              <a:rPr lang="en-US" altLang="ko-KR" sz="1400" b="1" dirty="0" smtClean="0"/>
-              <a:t>Sign up </a:t>
-            </a:r>
-            <a:r>
-              <a:rPr lang="ko-KR" altLang="en-US" sz="1400" b="1" dirty="0" smtClean="0"/>
-              <a:t>버튼 누르면 결재완료건 페이지로 넘어감</a:t>
-            </a:r>
-            <a:endParaRPr lang="ko-KR" altLang="en-US" sz="1400" b="1" dirty="0"/>
-          </a:p>
-        </p:txBody>
-      </p:sp>
-      <p:sp>
-        <p:nvSpPr>
-          <p:cNvPr id="11" name="TextBox 10"/>
-          <p:cNvSpPr txBox="1"/>
-          <p:nvPr/>
-        </p:nvSpPr>
-        <p:spPr>
-          <a:xfrm>
-            <a:off x="251520" y="188640"/>
-            <a:ext cx="2029723" cy="400110"/>
-          </a:xfrm>
-          <a:prstGeom prst="rect">
-            <a:avLst/>
-          </a:prstGeom>
-          <a:noFill/>
-        </p:spPr>
-        <p:txBody>
-          <a:bodyPr wrap="none" rtlCol="0">
-            <a:spAutoFit/>
-          </a:bodyPr>
-          <a:lstStyle/>
-          <a:p>
-            <a:r>
               <a:rPr lang="ko-KR" altLang="en-US" sz="2000" b="1" dirty="0" smtClean="0">
                 <a:solidFill>
                   <a:srgbClr val="C00000"/>
@@ -3752,7 +3826,7 @@
                   <a:srgbClr val="C00000"/>
                 </a:solidFill>
               </a:rPr>
-              <a:t>5. </a:t>
+              <a:t>2. </a:t>
             </a:r>
             <a:r>
               <a:rPr lang="ko-KR" altLang="en-US" sz="2000" b="1" dirty="0" smtClean="0">
@@ -3760,7 +3834,7 @@
                   <a:srgbClr val="C00000"/>
                 </a:solidFill>
               </a:rPr>
-              <a:t>결재문서</a:t>
+              <a:t>공지사항</a:t>
             </a:r>
             <a:endParaRPr lang="ko-KR" altLang="en-US" sz="2000" b="1" dirty="0">
               <a:solidFill>
@@ -3773,7 +3847,7 @@
     </p:spTree>
     <p:extLst>
       <p:ext uri="{BB962C8B-B14F-4D97-AF65-F5344CB8AC3E}">
-        <p14:creationId xmlns:p14="http://schemas.microsoft.com/office/powerpoint/2010/main" val="2254668388"/>
+        <p14:creationId xmlns:p14="http://schemas.microsoft.com/office/powerpoint/2010/main" val="988631051"/>
       </p:ext>
     </p:extLst>
   </p:cSld>
@@ -3808,8 +3882,8 @@
         </p:nvSpPr>
         <p:spPr>
           <a:xfrm>
-            <a:off x="3295200" y="6021288"/>
-            <a:ext cx="2476832" cy="646331"/>
+            <a:off x="3436199" y="5807005"/>
+            <a:ext cx="2194832" cy="646331"/>
           </a:xfrm>
           <a:prstGeom prst="rect">
             <a:avLst/>
@@ -3825,7 +3899,7 @@
             <a:pPr algn="just"/>
             <a:r>
               <a:rPr lang="en-US" altLang="ko-KR" dirty="0" smtClean="0"/>
-              <a:t>document_board.html</a:t>
+              <a:t>schedule.html</a:t>
             </a:r>
             <a:endParaRPr lang="en-US" altLang="ko-KR" dirty="0"/>
           </a:p>
@@ -3833,7 +3907,7 @@
             <a:pPr algn="just"/>
             <a:r>
               <a:rPr lang="ko-KR" altLang="en-US" dirty="0" smtClean="0"/>
-              <a:t>결재완료건 페이지</a:t>
+              <a:t>스케줄 관리 페이지</a:t>
             </a:r>
             <a:endParaRPr lang="en-US" altLang="ko-KR" dirty="0" smtClean="0"/>
           </a:p>
@@ -3841,7 +3915,7 @@
       </p:sp>
       <p:pic>
         <p:nvPicPr>
-          <p:cNvPr id="10242" name="Picture 2" descr="Z:\업무\git\스토리보드\document_board.JPG"/>
+          <p:cNvPr id="7170" name="Picture 2" descr="Z:\업무\git\스토리보드\schedule.JPG"/>
           <p:cNvPicPr>
             <a:picLocks noChangeAspect="1" noChangeArrowheads="1"/>
           </p:cNvPicPr>
@@ -3862,8 +3936,8 @@
         </p:blipFill>
         <p:spPr bwMode="auto">
           <a:xfrm>
-            <a:off x="899592" y="188640"/>
-            <a:ext cx="7469426" cy="5655162"/>
+            <a:off x="1259632" y="404664"/>
+            <a:ext cx="7226461" cy="5298232"/>
           </a:xfrm>
           <a:prstGeom prst="rect">
             <a:avLst/>
@@ -3882,64 +3956,14 @@
       </p:pic>
       <p:sp>
         <p:nvSpPr>
-          <p:cNvPr id="11" name="액자 10"/>
-          <p:cNvSpPr/>
-          <p:nvPr/>
-        </p:nvSpPr>
-        <p:spPr>
-          <a:xfrm>
-            <a:off x="6019882" y="1393031"/>
-            <a:ext cx="648072" cy="288032"/>
-          </a:xfrm>
-          <a:prstGeom prst="frame">
-            <a:avLst/>
-          </a:prstGeom>
-          <a:solidFill>
-            <a:srgbClr val="C00000"/>
-          </a:solidFill>
-          <a:ln>
-            <a:noFill/>
-          </a:ln>
-        </p:spPr>
-        <p:style>
-          <a:lnRef idx="2">
-            <a:schemeClr val="accent1">
-              <a:shade val="50000"/>
-            </a:schemeClr>
-          </a:lnRef>
-          <a:fillRef idx="1">
-            <a:schemeClr val="accent1"/>
-          </a:fillRef>
-          <a:effectRef idx="0">
-            <a:schemeClr val="accent1"/>
-          </a:effectRef>
-          <a:fontRef idx="minor">
-            <a:schemeClr val="lt1"/>
-          </a:fontRef>
-        </p:style>
-        <p:txBody>
-          <a:bodyPr rtlCol="0" anchor="ctr"/>
-          <a:lstStyle/>
-          <a:p>
-            <a:pPr algn="ctr"/>
-            <a:endParaRPr lang="ko-KR" altLang="en-US">
-              <a:solidFill>
-                <a:schemeClr val="tx1"/>
-              </a:solidFill>
-            </a:endParaRPr>
-          </a:p>
-        </p:txBody>
-      </p:sp>
-      <p:sp>
-        <p:nvSpPr>
-          <p:cNvPr id="12" name="TextBox 11"/>
+          <p:cNvPr id="7" name="TextBox 6"/>
           <p:cNvSpPr txBox="1"/>
           <p:nvPr/>
         </p:nvSpPr>
         <p:spPr>
           <a:xfrm>
-            <a:off x="6606913" y="1394192"/>
-            <a:ext cx="1925527" cy="738664"/>
+            <a:off x="251520" y="188640"/>
+            <a:ext cx="2375971" cy="400110"/>
           </a:xfrm>
           <a:prstGeom prst="rect">
             <a:avLst/>
@@ -3953,66 +3977,6 @@
           <a:lstStyle/>
           <a:p>
             <a:r>
-              <a:rPr lang="en-US" altLang="ko-KR" sz="1400" b="1" dirty="0"/>
-              <a:t>w</a:t>
-            </a:r>
-            <a:r>
-              <a:rPr lang="en-US" altLang="ko-KR" sz="1400" b="1" dirty="0" smtClean="0"/>
-              <a:t>rite</a:t>
-            </a:r>
-            <a:r>
-              <a:rPr lang="ko-KR" altLang="en-US" sz="1400" b="1" dirty="0" smtClean="0"/>
-              <a:t>버튼 누르면 </a:t>
-            </a:r>
-            <a:endParaRPr lang="en-US" altLang="ko-KR" sz="1400" b="1" dirty="0" smtClean="0"/>
-          </a:p>
-          <a:p>
-            <a:r>
-              <a:rPr lang="ko-KR" altLang="en-US" sz="1400" b="1" dirty="0" smtClean="0"/>
-              <a:t>품의서</a:t>
-            </a:r>
-            <a:r>
-              <a:rPr lang="en-US" altLang="ko-KR" sz="1400" b="1" dirty="0" smtClean="0"/>
-              <a:t>/</a:t>
-            </a:r>
-            <a:r>
-              <a:rPr lang="ko-KR" altLang="en-US" sz="1400" b="1" dirty="0" smtClean="0"/>
-              <a:t>제안서 </a:t>
-            </a:r>
-            <a:endParaRPr lang="en-US" altLang="ko-KR" sz="1400" b="1" dirty="0" smtClean="0"/>
-          </a:p>
-          <a:p>
-            <a:r>
-              <a:rPr lang="ko-KR" altLang="en-US" sz="1400" b="1" dirty="0" smtClean="0"/>
-              <a:t>쓰는 페이지로 넘어감</a:t>
-            </a:r>
-            <a:endParaRPr lang="ko-KR" altLang="en-US" sz="1400" b="1" dirty="0"/>
-          </a:p>
-        </p:txBody>
-      </p:sp>
-      <p:sp>
-        <p:nvSpPr>
-          <p:cNvPr id="13" name="TextBox 12"/>
-          <p:cNvSpPr txBox="1"/>
-          <p:nvPr/>
-        </p:nvSpPr>
-        <p:spPr>
-          <a:xfrm>
-            <a:off x="251520" y="188640"/>
-            <a:ext cx="2029723" cy="400110"/>
-          </a:xfrm>
-          <a:prstGeom prst="rect">
-            <a:avLst/>
-          </a:prstGeom>
-          <a:noFill/>
-        </p:spPr>
-        <p:txBody>
-          <a:bodyPr wrap="none" rtlCol="0">
-            <a:spAutoFit/>
-          </a:bodyPr>
-          <a:lstStyle/>
-          <a:p>
-            <a:r>
               <a:rPr lang="ko-KR" altLang="en-US" sz="2000" b="1" dirty="0" smtClean="0">
                 <a:solidFill>
                   <a:srgbClr val="C00000"/>
@@ -4021,12 +3985,20 @@
               <a:t>메뉴</a:t>
             </a:r>
             <a:r>
+              <a:rPr lang="en-US" altLang="ko-KR" sz="2000" b="1" dirty="0">
+                <a:solidFill>
+                  <a:srgbClr val="C00000"/>
+                </a:solidFill>
+              </a:rPr>
+              <a:t>3</a:t>
+            </a:r>
+            <a:r>
               <a:rPr lang="en-US" altLang="ko-KR" sz="2000" b="1" dirty="0" smtClean="0">
                 <a:solidFill>
                   <a:srgbClr val="C00000"/>
                 </a:solidFill>
               </a:rPr>
-              <a:t>5. </a:t>
+              <a:t>. </a:t>
             </a:r>
             <a:r>
               <a:rPr lang="ko-KR" altLang="en-US" sz="2000" b="1" dirty="0" smtClean="0">
@@ -4034,7 +4006,7 @@
                   <a:srgbClr val="C00000"/>
                 </a:solidFill>
               </a:rPr>
-              <a:t>결재문서</a:t>
+              <a:t>스케줄 관리</a:t>
             </a:r>
             <a:endParaRPr lang="ko-KR" altLang="en-US" sz="2000" b="1" dirty="0">
               <a:solidFill>
@@ -4047,7 +4019,7 @@
     </p:spTree>
     <p:extLst>
       <p:ext uri="{BB962C8B-B14F-4D97-AF65-F5344CB8AC3E}">
-        <p14:creationId xmlns:p14="http://schemas.microsoft.com/office/powerpoint/2010/main" val="1106581830"/>
+        <p14:creationId xmlns:p14="http://schemas.microsoft.com/office/powerpoint/2010/main" val="1427579533"/>
       </p:ext>
     </p:extLst>
   </p:cSld>
@@ -4082,6 +4054,888 @@
         </p:nvSpPr>
         <p:spPr>
           <a:xfrm>
+            <a:off x="3707908" y="5951021"/>
+            <a:ext cx="1651414" cy="646331"/>
+          </a:xfrm>
+          <a:prstGeom prst="rect">
+            <a:avLst/>
+          </a:prstGeom>
+          <a:noFill/>
+        </p:spPr>
+        <p:txBody>
+          <a:bodyPr wrap="none" rtlCol="0">
+            <a:spAutoFit/>
+          </a:bodyPr>
+          <a:lstStyle/>
+          <a:p>
+            <a:pPr algn="just"/>
+            <a:r>
+              <a:rPr lang="en-US" altLang="ko-KR" dirty="0" smtClean="0"/>
+              <a:t>meeting.html</a:t>
+            </a:r>
+            <a:endParaRPr lang="en-US" altLang="ko-KR" dirty="0"/>
+          </a:p>
+          <a:p>
+            <a:pPr algn="just"/>
+            <a:r>
+              <a:rPr lang="ko-KR" altLang="en-US" dirty="0" smtClean="0"/>
+              <a:t>회의</a:t>
+            </a:r>
+            <a:r>
+              <a:rPr lang="ko-KR" altLang="en-US" dirty="0"/>
+              <a:t>실</a:t>
+            </a:r>
+            <a:r>
+              <a:rPr lang="ko-KR" altLang="en-US" dirty="0" smtClean="0"/>
+              <a:t> 페이지</a:t>
+            </a:r>
+            <a:endParaRPr lang="en-US" altLang="ko-KR" dirty="0" smtClean="0"/>
+          </a:p>
+        </p:txBody>
+      </p:sp>
+      <p:pic>
+        <p:nvPicPr>
+          <p:cNvPr id="8194" name="Picture 2" descr="Z:\업무\git\스토리보드\meeting.JPG"/>
+          <p:cNvPicPr>
+            <a:picLocks noChangeAspect="1" noChangeArrowheads="1"/>
+          </p:cNvPicPr>
+          <p:nvPr/>
+        </p:nvPicPr>
+        <p:blipFill>
+          <a:blip r:embed="rId2">
+            <a:extLst>
+              <a:ext uri="{28A0092B-C50C-407E-A947-70E740481C1C}">
+                <a14:useLocalDpi xmlns:a14="http://schemas.microsoft.com/office/drawing/2010/main" val="0"/>
+              </a:ext>
+            </a:extLst>
+          </a:blip>
+          <a:srcRect/>
+          <a:stretch>
+            <a:fillRect/>
+          </a:stretch>
+        </p:blipFill>
+        <p:spPr bwMode="auto">
+          <a:xfrm>
+            <a:off x="1475656" y="230806"/>
+            <a:ext cx="6386548" cy="5718474"/>
+          </a:xfrm>
+          <a:prstGeom prst="rect">
+            <a:avLst/>
+          </a:prstGeom>
+          <a:noFill/>
+          <a:extLst>
+            <a:ext uri="{909E8E84-426E-40DD-AFC4-6F175D3DCCD1}">
+              <a14:hiddenFill xmlns:a14="http://schemas.microsoft.com/office/drawing/2010/main">
+                <a:solidFill>
+                  <a:srgbClr val="FFFFFF"/>
+                </a:solidFill>
+              </a14:hiddenFill>
+            </a:ext>
+          </a:extLst>
+        </p:spPr>
+      </p:pic>
+      <p:sp>
+        <p:nvSpPr>
+          <p:cNvPr id="5" name="액자 4"/>
+          <p:cNvSpPr/>
+          <p:nvPr/>
+        </p:nvSpPr>
+        <p:spPr>
+          <a:xfrm>
+            <a:off x="2771800" y="1052736"/>
+            <a:ext cx="792088" cy="575270"/>
+          </a:xfrm>
+          <a:prstGeom prst="frame">
+            <a:avLst/>
+          </a:prstGeom>
+          <a:solidFill>
+            <a:srgbClr val="C00000"/>
+          </a:solidFill>
+          <a:ln>
+            <a:noFill/>
+          </a:ln>
+        </p:spPr>
+        <p:style>
+          <a:lnRef idx="2">
+            <a:schemeClr val="accent1">
+              <a:shade val="50000"/>
+            </a:schemeClr>
+          </a:lnRef>
+          <a:fillRef idx="1">
+            <a:schemeClr val="accent1"/>
+          </a:fillRef>
+          <a:effectRef idx="0">
+            <a:schemeClr val="accent1"/>
+          </a:effectRef>
+          <a:fontRef idx="minor">
+            <a:schemeClr val="lt1"/>
+          </a:fontRef>
+        </p:style>
+        <p:txBody>
+          <a:bodyPr rtlCol="0" anchor="ctr"/>
+          <a:lstStyle/>
+          <a:p>
+            <a:pPr algn="ctr"/>
+            <a:endParaRPr lang="ko-KR" altLang="en-US">
+              <a:solidFill>
+                <a:schemeClr val="tx1"/>
+              </a:solidFill>
+            </a:endParaRPr>
+          </a:p>
+        </p:txBody>
+      </p:sp>
+      <p:sp>
+        <p:nvSpPr>
+          <p:cNvPr id="6" name="TextBox 5"/>
+          <p:cNvSpPr txBox="1"/>
+          <p:nvPr/>
+        </p:nvSpPr>
+        <p:spPr>
+          <a:xfrm>
+            <a:off x="3493042" y="1249015"/>
+            <a:ext cx="2151551" cy="307777"/>
+          </a:xfrm>
+          <a:prstGeom prst="rect">
+            <a:avLst/>
+          </a:prstGeom>
+          <a:noFill/>
+        </p:spPr>
+        <p:txBody>
+          <a:bodyPr wrap="none" rtlCol="0">
+            <a:spAutoFit/>
+          </a:bodyPr>
+          <a:lstStyle/>
+          <a:p>
+            <a:r>
+              <a:rPr lang="ko-KR" altLang="en-US" sz="1400" b="1" dirty="0" err="1" smtClean="0"/>
+              <a:t>팀회의</a:t>
+            </a:r>
+            <a:r>
+              <a:rPr lang="en-US" altLang="ko-KR" sz="1400" b="1" dirty="0" smtClean="0"/>
+              <a:t>, </a:t>
+            </a:r>
+            <a:r>
+              <a:rPr lang="ko-KR" altLang="en-US" sz="1400" b="1" dirty="0" smtClean="0"/>
+              <a:t>임직원회의 선택</a:t>
+            </a:r>
+            <a:endParaRPr lang="ko-KR" altLang="en-US" sz="1400" b="1" dirty="0"/>
+          </a:p>
+        </p:txBody>
+      </p:sp>
+      <p:sp>
+        <p:nvSpPr>
+          <p:cNvPr id="7" name="TextBox 6"/>
+          <p:cNvSpPr txBox="1"/>
+          <p:nvPr/>
+        </p:nvSpPr>
+        <p:spPr>
+          <a:xfrm>
+            <a:off x="251520" y="188640"/>
+            <a:ext cx="1773242" cy="400110"/>
+          </a:xfrm>
+          <a:prstGeom prst="rect">
+            <a:avLst/>
+          </a:prstGeom>
+          <a:noFill/>
+        </p:spPr>
+        <p:txBody>
+          <a:bodyPr wrap="none" rtlCol="0">
+            <a:spAutoFit/>
+          </a:bodyPr>
+          <a:lstStyle/>
+          <a:p>
+            <a:r>
+              <a:rPr lang="ko-KR" altLang="en-US" sz="2000" b="1" dirty="0" smtClean="0">
+                <a:solidFill>
+                  <a:srgbClr val="C00000"/>
+                </a:solidFill>
+              </a:rPr>
+              <a:t>메뉴</a:t>
+            </a:r>
+            <a:r>
+              <a:rPr lang="en-US" altLang="ko-KR" sz="2000" b="1" dirty="0">
+                <a:solidFill>
+                  <a:srgbClr val="C00000"/>
+                </a:solidFill>
+              </a:rPr>
+              <a:t>4</a:t>
+            </a:r>
+            <a:r>
+              <a:rPr lang="en-US" altLang="ko-KR" sz="2000" b="1" dirty="0" smtClean="0">
+                <a:solidFill>
+                  <a:srgbClr val="C00000"/>
+                </a:solidFill>
+              </a:rPr>
+              <a:t>. </a:t>
+            </a:r>
+            <a:r>
+              <a:rPr lang="ko-KR" altLang="en-US" sz="2000" b="1" dirty="0" smtClean="0">
+                <a:solidFill>
+                  <a:srgbClr val="C00000"/>
+                </a:solidFill>
+              </a:rPr>
+              <a:t>회의실</a:t>
+            </a:r>
+            <a:endParaRPr lang="ko-KR" altLang="en-US" sz="2000" b="1" dirty="0">
+              <a:solidFill>
+                <a:srgbClr val="C00000"/>
+              </a:solidFill>
+            </a:endParaRPr>
+          </a:p>
+        </p:txBody>
+      </p:sp>
+    </p:spTree>
+    <p:extLst>
+      <p:ext uri="{BB962C8B-B14F-4D97-AF65-F5344CB8AC3E}">
+        <p14:creationId xmlns:p14="http://schemas.microsoft.com/office/powerpoint/2010/main" val="3103266703"/>
+      </p:ext>
+    </p:extLst>
+  </p:cSld>
+  <p:clrMapOvr>
+    <a:masterClrMapping/>
+  </p:clrMapOvr>
+</p:sld>
+</file>
+
+<file path=ppt/slides/slide14.xml><?xml version="1.0" encoding="utf-8"?>
+<p:sld xmlns:a="http://schemas.openxmlformats.org/drawingml/2006/main" xmlns:r="http://schemas.openxmlformats.org/officeDocument/2006/relationships" xmlns:p="http://schemas.openxmlformats.org/presentationml/2006/main">
+  <p:cSld>
+    <p:spTree>
+      <p:nvGrpSpPr>
+        <p:cNvPr id="1" name=""/>
+        <p:cNvGrpSpPr/>
+        <p:nvPr/>
+      </p:nvGrpSpPr>
+      <p:grpSpPr>
+        <a:xfrm>
+          <a:off x="0" y="0"/>
+          <a:ext cx="0" cy="0"/>
+          <a:chOff x="0" y="0"/>
+          <a:chExt cx="0" cy="0"/>
+        </a:xfrm>
+      </p:grpSpPr>
+      <p:sp>
+        <p:nvSpPr>
+          <p:cNvPr id="4" name="TextBox 3"/>
+          <p:cNvSpPr txBox="1"/>
+          <p:nvPr/>
+        </p:nvSpPr>
+        <p:spPr>
+          <a:xfrm>
+            <a:off x="3352267" y="6021288"/>
+            <a:ext cx="2362698" cy="646331"/>
+          </a:xfrm>
+          <a:prstGeom prst="rect">
+            <a:avLst/>
+          </a:prstGeom>
+          <a:noFill/>
+        </p:spPr>
+        <p:txBody>
+          <a:bodyPr wrap="none" rtlCol="0">
+            <a:spAutoFit/>
+          </a:bodyPr>
+          <a:lstStyle/>
+          <a:p>
+            <a:pPr algn="just"/>
+            <a:r>
+              <a:rPr lang="en-US" altLang="ko-KR" dirty="0"/>
+              <a:t>d</a:t>
+            </a:r>
+            <a:r>
+              <a:rPr lang="en-US" altLang="ko-KR" dirty="0" smtClean="0"/>
+              <a:t>ocument_form.html</a:t>
+            </a:r>
+            <a:endParaRPr lang="en-US" altLang="ko-KR" dirty="0"/>
+          </a:p>
+          <a:p>
+            <a:pPr algn="just"/>
+            <a:r>
+              <a:rPr lang="ko-KR" altLang="en-US" dirty="0" smtClean="0"/>
+              <a:t>결재문서 페이지</a:t>
+            </a:r>
+            <a:endParaRPr lang="en-US" altLang="ko-KR" dirty="0" smtClean="0"/>
+          </a:p>
+        </p:txBody>
+      </p:sp>
+      <p:pic>
+        <p:nvPicPr>
+          <p:cNvPr id="9218" name="Picture 2" descr="Z:\업무\git\스토리보드\document_form.JPG"/>
+          <p:cNvPicPr>
+            <a:picLocks noChangeAspect="1" noChangeArrowheads="1"/>
+          </p:cNvPicPr>
+          <p:nvPr/>
+        </p:nvPicPr>
+        <p:blipFill>
+          <a:blip r:embed="rId2">
+            <a:extLst>
+              <a:ext uri="{28A0092B-C50C-407E-A947-70E740481C1C}">
+                <a14:useLocalDpi xmlns:a14="http://schemas.microsoft.com/office/drawing/2010/main" val="0"/>
+              </a:ext>
+            </a:extLst>
+          </a:blip>
+          <a:srcRect/>
+          <a:stretch>
+            <a:fillRect/>
+          </a:stretch>
+        </p:blipFill>
+        <p:spPr bwMode="auto">
+          <a:xfrm>
+            <a:off x="473975" y="116632"/>
+            <a:ext cx="8274489" cy="5870104"/>
+          </a:xfrm>
+          <a:prstGeom prst="rect">
+            <a:avLst/>
+          </a:prstGeom>
+          <a:noFill/>
+          <a:extLst>
+            <a:ext uri="{909E8E84-426E-40DD-AFC4-6F175D3DCCD1}">
+              <a14:hiddenFill xmlns:a14="http://schemas.microsoft.com/office/drawing/2010/main">
+                <a:solidFill>
+                  <a:srgbClr val="FFFFFF"/>
+                </a:solidFill>
+              </a14:hiddenFill>
+            </a:ext>
+          </a:extLst>
+        </p:spPr>
+      </p:pic>
+      <p:sp>
+        <p:nvSpPr>
+          <p:cNvPr id="7" name="액자 6"/>
+          <p:cNvSpPr/>
+          <p:nvPr/>
+        </p:nvSpPr>
+        <p:spPr>
+          <a:xfrm>
+            <a:off x="1835696" y="1772816"/>
+            <a:ext cx="648072" cy="288032"/>
+          </a:xfrm>
+          <a:prstGeom prst="frame">
+            <a:avLst/>
+          </a:prstGeom>
+          <a:solidFill>
+            <a:srgbClr val="C00000"/>
+          </a:solidFill>
+          <a:ln>
+            <a:noFill/>
+          </a:ln>
+        </p:spPr>
+        <p:style>
+          <a:lnRef idx="2">
+            <a:schemeClr val="accent1">
+              <a:shade val="50000"/>
+            </a:schemeClr>
+          </a:lnRef>
+          <a:fillRef idx="1">
+            <a:schemeClr val="accent1"/>
+          </a:fillRef>
+          <a:effectRef idx="0">
+            <a:schemeClr val="accent1"/>
+          </a:effectRef>
+          <a:fontRef idx="minor">
+            <a:schemeClr val="lt1"/>
+          </a:fontRef>
+        </p:style>
+        <p:txBody>
+          <a:bodyPr rtlCol="0" anchor="ctr"/>
+          <a:lstStyle/>
+          <a:p>
+            <a:pPr algn="ctr"/>
+            <a:endParaRPr lang="ko-KR" altLang="en-US">
+              <a:solidFill>
+                <a:schemeClr val="tx1"/>
+              </a:solidFill>
+            </a:endParaRPr>
+          </a:p>
+        </p:txBody>
+      </p:sp>
+      <p:sp>
+        <p:nvSpPr>
+          <p:cNvPr id="8" name="TextBox 7"/>
+          <p:cNvSpPr txBox="1"/>
+          <p:nvPr/>
+        </p:nvSpPr>
+        <p:spPr>
+          <a:xfrm>
+            <a:off x="2411760" y="1772816"/>
+            <a:ext cx="1792478" cy="307777"/>
+          </a:xfrm>
+          <a:prstGeom prst="rect">
+            <a:avLst/>
+          </a:prstGeom>
+          <a:noFill/>
+        </p:spPr>
+        <p:txBody>
+          <a:bodyPr wrap="none" rtlCol="0">
+            <a:spAutoFit/>
+          </a:bodyPr>
+          <a:lstStyle/>
+          <a:p>
+            <a:r>
+              <a:rPr lang="ko-KR" altLang="en-US" sz="1400" b="1" dirty="0" smtClean="0"/>
+              <a:t>품의서</a:t>
+            </a:r>
+            <a:r>
+              <a:rPr lang="en-US" altLang="ko-KR" sz="1400" b="1" dirty="0" smtClean="0"/>
+              <a:t>, </a:t>
+            </a:r>
+            <a:r>
+              <a:rPr lang="ko-KR" altLang="en-US" sz="1400" b="1" dirty="0" smtClean="0"/>
+              <a:t>제안서 선택</a:t>
+            </a:r>
+            <a:endParaRPr lang="ko-KR" altLang="en-US" sz="1400" b="1" dirty="0"/>
+          </a:p>
+        </p:txBody>
+      </p:sp>
+      <p:sp>
+        <p:nvSpPr>
+          <p:cNvPr id="9" name="액자 8"/>
+          <p:cNvSpPr/>
+          <p:nvPr/>
+        </p:nvSpPr>
+        <p:spPr>
+          <a:xfrm>
+            <a:off x="3995936" y="5425479"/>
+            <a:ext cx="648072" cy="288032"/>
+          </a:xfrm>
+          <a:prstGeom prst="frame">
+            <a:avLst/>
+          </a:prstGeom>
+          <a:solidFill>
+            <a:srgbClr val="C00000"/>
+          </a:solidFill>
+          <a:ln>
+            <a:noFill/>
+          </a:ln>
+        </p:spPr>
+        <p:style>
+          <a:lnRef idx="2">
+            <a:schemeClr val="accent1">
+              <a:shade val="50000"/>
+            </a:schemeClr>
+          </a:lnRef>
+          <a:fillRef idx="1">
+            <a:schemeClr val="accent1"/>
+          </a:fillRef>
+          <a:effectRef idx="0">
+            <a:schemeClr val="accent1"/>
+          </a:effectRef>
+          <a:fontRef idx="minor">
+            <a:schemeClr val="lt1"/>
+          </a:fontRef>
+        </p:style>
+        <p:txBody>
+          <a:bodyPr rtlCol="0" anchor="ctr"/>
+          <a:lstStyle/>
+          <a:p>
+            <a:pPr algn="ctr"/>
+            <a:endParaRPr lang="ko-KR" altLang="en-US">
+              <a:solidFill>
+                <a:schemeClr val="tx1"/>
+              </a:solidFill>
+            </a:endParaRPr>
+          </a:p>
+        </p:txBody>
+      </p:sp>
+      <p:sp>
+        <p:nvSpPr>
+          <p:cNvPr id="10" name="TextBox 9"/>
+          <p:cNvSpPr txBox="1"/>
+          <p:nvPr/>
+        </p:nvSpPr>
+        <p:spPr>
+          <a:xfrm>
+            <a:off x="4572000" y="5425479"/>
+            <a:ext cx="4204997" cy="307777"/>
+          </a:xfrm>
+          <a:prstGeom prst="rect">
+            <a:avLst/>
+          </a:prstGeom>
+          <a:noFill/>
+        </p:spPr>
+        <p:txBody>
+          <a:bodyPr wrap="none" rtlCol="0">
+            <a:spAutoFit/>
+          </a:bodyPr>
+          <a:lstStyle/>
+          <a:p>
+            <a:r>
+              <a:rPr lang="en-US" altLang="ko-KR" sz="1400" b="1" dirty="0" smtClean="0"/>
+              <a:t>Sign up </a:t>
+            </a:r>
+            <a:r>
+              <a:rPr lang="ko-KR" altLang="en-US" sz="1400" b="1" dirty="0" smtClean="0"/>
+              <a:t>버튼 누르면 결재완료건 페이지로 넘어감</a:t>
+            </a:r>
+            <a:endParaRPr lang="ko-KR" altLang="en-US" sz="1400" b="1" dirty="0"/>
+          </a:p>
+        </p:txBody>
+      </p:sp>
+      <p:sp>
+        <p:nvSpPr>
+          <p:cNvPr id="11" name="TextBox 10"/>
+          <p:cNvSpPr txBox="1"/>
+          <p:nvPr/>
+        </p:nvSpPr>
+        <p:spPr>
+          <a:xfrm>
+            <a:off x="251520" y="188640"/>
+            <a:ext cx="2029723" cy="400110"/>
+          </a:xfrm>
+          <a:prstGeom prst="rect">
+            <a:avLst/>
+          </a:prstGeom>
+          <a:noFill/>
+        </p:spPr>
+        <p:txBody>
+          <a:bodyPr wrap="none" rtlCol="0">
+            <a:spAutoFit/>
+          </a:bodyPr>
+          <a:lstStyle/>
+          <a:p>
+            <a:r>
+              <a:rPr lang="ko-KR" altLang="en-US" sz="2000" b="1" dirty="0" smtClean="0">
+                <a:solidFill>
+                  <a:srgbClr val="C00000"/>
+                </a:solidFill>
+              </a:rPr>
+              <a:t>메뉴</a:t>
+            </a:r>
+            <a:r>
+              <a:rPr lang="en-US" altLang="ko-KR" sz="2000" b="1" dirty="0" smtClean="0">
+                <a:solidFill>
+                  <a:srgbClr val="C00000"/>
+                </a:solidFill>
+              </a:rPr>
+              <a:t>5. </a:t>
+            </a:r>
+            <a:r>
+              <a:rPr lang="ko-KR" altLang="en-US" sz="2000" b="1" dirty="0" smtClean="0">
+                <a:solidFill>
+                  <a:srgbClr val="C00000"/>
+                </a:solidFill>
+              </a:rPr>
+              <a:t>결재문서</a:t>
+            </a:r>
+            <a:endParaRPr lang="ko-KR" altLang="en-US" sz="2000" b="1" dirty="0">
+              <a:solidFill>
+                <a:srgbClr val="C00000"/>
+              </a:solidFill>
+            </a:endParaRPr>
+          </a:p>
+        </p:txBody>
+      </p:sp>
+    </p:spTree>
+    <p:extLst>
+      <p:ext uri="{BB962C8B-B14F-4D97-AF65-F5344CB8AC3E}">
+        <p14:creationId xmlns:p14="http://schemas.microsoft.com/office/powerpoint/2010/main" val="2254668388"/>
+      </p:ext>
+    </p:extLst>
+  </p:cSld>
+  <p:clrMapOvr>
+    <a:masterClrMapping/>
+  </p:clrMapOvr>
+</p:sld>
+</file>
+
+<file path=ppt/slides/slide15.xml><?xml version="1.0" encoding="utf-8"?>
+<p:sld xmlns:a="http://schemas.openxmlformats.org/drawingml/2006/main" xmlns:r="http://schemas.openxmlformats.org/officeDocument/2006/relationships" xmlns:p="http://schemas.openxmlformats.org/presentationml/2006/main">
+  <p:cSld>
+    <p:spTree>
+      <p:nvGrpSpPr>
+        <p:cNvPr id="1" name=""/>
+        <p:cNvGrpSpPr/>
+        <p:nvPr/>
+      </p:nvGrpSpPr>
+      <p:grpSpPr>
+        <a:xfrm>
+          <a:off x="0" y="0"/>
+          <a:ext cx="0" cy="0"/>
+          <a:chOff x="0" y="0"/>
+          <a:chExt cx="0" cy="0"/>
+        </a:xfrm>
+      </p:grpSpPr>
+      <p:sp>
+        <p:nvSpPr>
+          <p:cNvPr id="4" name="TextBox 3"/>
+          <p:cNvSpPr txBox="1"/>
+          <p:nvPr/>
+        </p:nvSpPr>
+        <p:spPr>
+          <a:xfrm>
+            <a:off x="3295200" y="6021288"/>
+            <a:ext cx="2476832" cy="646331"/>
+          </a:xfrm>
+          <a:prstGeom prst="rect">
+            <a:avLst/>
+          </a:prstGeom>
+          <a:noFill/>
+        </p:spPr>
+        <p:txBody>
+          <a:bodyPr wrap="none" rtlCol="0">
+            <a:spAutoFit/>
+          </a:bodyPr>
+          <a:lstStyle/>
+          <a:p>
+            <a:pPr algn="just"/>
+            <a:r>
+              <a:rPr lang="en-US" altLang="ko-KR" dirty="0" smtClean="0"/>
+              <a:t>document_board.html</a:t>
+            </a:r>
+            <a:endParaRPr lang="en-US" altLang="ko-KR" dirty="0"/>
+          </a:p>
+          <a:p>
+            <a:pPr algn="just"/>
+            <a:r>
+              <a:rPr lang="ko-KR" altLang="en-US" dirty="0" smtClean="0"/>
+              <a:t>결재완료건 페이지</a:t>
+            </a:r>
+            <a:endParaRPr lang="en-US" altLang="ko-KR" dirty="0" smtClean="0"/>
+          </a:p>
+        </p:txBody>
+      </p:sp>
+      <p:pic>
+        <p:nvPicPr>
+          <p:cNvPr id="10242" name="Picture 2" descr="Z:\업무\git\스토리보드\document_board.JPG"/>
+          <p:cNvPicPr>
+            <a:picLocks noChangeAspect="1" noChangeArrowheads="1"/>
+          </p:cNvPicPr>
+          <p:nvPr/>
+        </p:nvPicPr>
+        <p:blipFill>
+          <a:blip r:embed="rId2">
+            <a:extLst>
+              <a:ext uri="{28A0092B-C50C-407E-A947-70E740481C1C}">
+                <a14:useLocalDpi xmlns:a14="http://schemas.microsoft.com/office/drawing/2010/main" val="0"/>
+              </a:ext>
+            </a:extLst>
+          </a:blip>
+          <a:srcRect/>
+          <a:stretch>
+            <a:fillRect/>
+          </a:stretch>
+        </p:blipFill>
+        <p:spPr bwMode="auto">
+          <a:xfrm>
+            <a:off x="899592" y="188640"/>
+            <a:ext cx="7469426" cy="5655162"/>
+          </a:xfrm>
+          <a:prstGeom prst="rect">
+            <a:avLst/>
+          </a:prstGeom>
+          <a:noFill/>
+          <a:extLst>
+            <a:ext uri="{909E8E84-426E-40DD-AFC4-6F175D3DCCD1}">
+              <a14:hiddenFill xmlns:a14="http://schemas.microsoft.com/office/drawing/2010/main">
+                <a:solidFill>
+                  <a:srgbClr val="FFFFFF"/>
+                </a:solidFill>
+              </a14:hiddenFill>
+            </a:ext>
+          </a:extLst>
+        </p:spPr>
+      </p:pic>
+      <p:sp>
+        <p:nvSpPr>
+          <p:cNvPr id="11" name="액자 10"/>
+          <p:cNvSpPr/>
+          <p:nvPr/>
+        </p:nvSpPr>
+        <p:spPr>
+          <a:xfrm>
+            <a:off x="6019882" y="1393031"/>
+            <a:ext cx="648072" cy="288032"/>
+          </a:xfrm>
+          <a:prstGeom prst="frame">
+            <a:avLst/>
+          </a:prstGeom>
+          <a:solidFill>
+            <a:srgbClr val="C00000"/>
+          </a:solidFill>
+          <a:ln>
+            <a:noFill/>
+          </a:ln>
+        </p:spPr>
+        <p:style>
+          <a:lnRef idx="2">
+            <a:schemeClr val="accent1">
+              <a:shade val="50000"/>
+            </a:schemeClr>
+          </a:lnRef>
+          <a:fillRef idx="1">
+            <a:schemeClr val="accent1"/>
+          </a:fillRef>
+          <a:effectRef idx="0">
+            <a:schemeClr val="accent1"/>
+          </a:effectRef>
+          <a:fontRef idx="minor">
+            <a:schemeClr val="lt1"/>
+          </a:fontRef>
+        </p:style>
+        <p:txBody>
+          <a:bodyPr rtlCol="0" anchor="ctr"/>
+          <a:lstStyle/>
+          <a:p>
+            <a:pPr algn="ctr"/>
+            <a:endParaRPr lang="ko-KR" altLang="en-US">
+              <a:solidFill>
+                <a:schemeClr val="tx1"/>
+              </a:solidFill>
+            </a:endParaRPr>
+          </a:p>
+        </p:txBody>
+      </p:sp>
+      <p:sp>
+        <p:nvSpPr>
+          <p:cNvPr id="12" name="TextBox 11"/>
+          <p:cNvSpPr txBox="1"/>
+          <p:nvPr/>
+        </p:nvSpPr>
+        <p:spPr>
+          <a:xfrm>
+            <a:off x="6606913" y="1394192"/>
+            <a:ext cx="1925527" cy="738664"/>
+          </a:xfrm>
+          <a:prstGeom prst="rect">
+            <a:avLst/>
+          </a:prstGeom>
+          <a:noFill/>
+        </p:spPr>
+        <p:txBody>
+          <a:bodyPr wrap="none" rtlCol="0">
+            <a:spAutoFit/>
+          </a:bodyPr>
+          <a:lstStyle/>
+          <a:p>
+            <a:r>
+              <a:rPr lang="en-US" altLang="ko-KR" sz="1400" b="1" dirty="0"/>
+              <a:t>w</a:t>
+            </a:r>
+            <a:r>
+              <a:rPr lang="en-US" altLang="ko-KR" sz="1400" b="1" dirty="0" smtClean="0"/>
+              <a:t>rite</a:t>
+            </a:r>
+            <a:r>
+              <a:rPr lang="ko-KR" altLang="en-US" sz="1400" b="1" dirty="0" smtClean="0"/>
+              <a:t>버튼 누르면 </a:t>
+            </a:r>
+            <a:endParaRPr lang="en-US" altLang="ko-KR" sz="1400" b="1" dirty="0" smtClean="0"/>
+          </a:p>
+          <a:p>
+            <a:r>
+              <a:rPr lang="ko-KR" altLang="en-US" sz="1400" b="1" dirty="0" smtClean="0"/>
+              <a:t>품의서</a:t>
+            </a:r>
+            <a:r>
+              <a:rPr lang="en-US" altLang="ko-KR" sz="1400" b="1" dirty="0" smtClean="0"/>
+              <a:t>/</a:t>
+            </a:r>
+            <a:r>
+              <a:rPr lang="ko-KR" altLang="en-US" sz="1400" b="1" dirty="0" smtClean="0"/>
+              <a:t>제안서 </a:t>
+            </a:r>
+            <a:endParaRPr lang="en-US" altLang="ko-KR" sz="1400" b="1" dirty="0" smtClean="0"/>
+          </a:p>
+          <a:p>
+            <a:r>
+              <a:rPr lang="ko-KR" altLang="en-US" sz="1400" b="1" dirty="0" smtClean="0"/>
+              <a:t>쓰는 페이지로 넘어감</a:t>
+            </a:r>
+            <a:endParaRPr lang="ko-KR" altLang="en-US" sz="1400" b="1" dirty="0"/>
+          </a:p>
+        </p:txBody>
+      </p:sp>
+      <p:sp>
+        <p:nvSpPr>
+          <p:cNvPr id="13" name="TextBox 12"/>
+          <p:cNvSpPr txBox="1"/>
+          <p:nvPr/>
+        </p:nvSpPr>
+        <p:spPr>
+          <a:xfrm>
+            <a:off x="251520" y="188640"/>
+            <a:ext cx="2029723" cy="400110"/>
+          </a:xfrm>
+          <a:prstGeom prst="rect">
+            <a:avLst/>
+          </a:prstGeom>
+          <a:noFill/>
+        </p:spPr>
+        <p:txBody>
+          <a:bodyPr wrap="none" rtlCol="0">
+            <a:spAutoFit/>
+          </a:bodyPr>
+          <a:lstStyle/>
+          <a:p>
+            <a:r>
+              <a:rPr lang="ko-KR" altLang="en-US" sz="2000" b="1" dirty="0" smtClean="0">
+                <a:solidFill>
+                  <a:srgbClr val="C00000"/>
+                </a:solidFill>
+              </a:rPr>
+              <a:t>메뉴</a:t>
+            </a:r>
+            <a:r>
+              <a:rPr lang="en-US" altLang="ko-KR" sz="2000" b="1" dirty="0" smtClean="0">
+                <a:solidFill>
+                  <a:srgbClr val="C00000"/>
+                </a:solidFill>
+              </a:rPr>
+              <a:t>5. </a:t>
+            </a:r>
+            <a:r>
+              <a:rPr lang="ko-KR" altLang="en-US" sz="2000" b="1" dirty="0" smtClean="0">
+                <a:solidFill>
+                  <a:srgbClr val="C00000"/>
+                </a:solidFill>
+              </a:rPr>
+              <a:t>결재문서</a:t>
+            </a:r>
+            <a:endParaRPr lang="ko-KR" altLang="en-US" sz="2000" b="1" dirty="0">
+              <a:solidFill>
+                <a:srgbClr val="C00000"/>
+              </a:solidFill>
+            </a:endParaRPr>
+          </a:p>
+        </p:txBody>
+      </p:sp>
+    </p:spTree>
+    <p:extLst>
+      <p:ext uri="{BB962C8B-B14F-4D97-AF65-F5344CB8AC3E}">
+        <p14:creationId xmlns:p14="http://schemas.microsoft.com/office/powerpoint/2010/main" val="1106581830"/>
+      </p:ext>
+    </p:extLst>
+  </p:cSld>
+  <p:clrMapOvr>
+    <a:masterClrMapping/>
+  </p:clrMapOvr>
+</p:sld>
+</file>
+
+<file path=ppt/slides/slide16.xml><?xml version="1.0" encoding="utf-8"?>
+<p:sld xmlns:a="http://schemas.openxmlformats.org/drawingml/2006/main" xmlns:r="http://schemas.openxmlformats.org/officeDocument/2006/relationships" xmlns:p="http://schemas.openxmlformats.org/presentationml/2006/main">
+  <p:cSld>
+    <p:spTree>
+      <p:nvGrpSpPr>
+        <p:cNvPr id="1" name=""/>
+        <p:cNvGrpSpPr/>
+        <p:nvPr/>
+      </p:nvGrpSpPr>
+      <p:grpSpPr>
+        <a:xfrm>
+          <a:off x="0" y="0"/>
+          <a:ext cx="0" cy="0"/>
+          <a:chOff x="0" y="0"/>
+          <a:chExt cx="0" cy="0"/>
+        </a:xfrm>
+      </p:grpSpPr>
+      <p:sp>
+        <p:nvSpPr>
+          <p:cNvPr id="4" name="TextBox 3"/>
+          <p:cNvSpPr txBox="1"/>
+          <p:nvPr/>
+        </p:nvSpPr>
+        <p:spPr>
+          <a:xfrm>
             <a:off x="1372741" y="1124744"/>
             <a:ext cx="2250616" cy="3416320"/>
           </a:xfrm>
@@ -4257,7 +5111,7 @@
 </p:sld>
 </file>
 
-<file path=ppt/slides/slide14.xml><?xml version="1.0" encoding="utf-8"?>
+<file path=ppt/slides/slide17.xml><?xml version="1.0" encoding="utf-8"?>
 <p:sld xmlns:a="http://schemas.openxmlformats.org/drawingml/2006/main" xmlns:r="http://schemas.openxmlformats.org/officeDocument/2006/relationships" xmlns:p="http://schemas.openxmlformats.org/presentationml/2006/main">
   <p:cSld>
     <p:spTree>
@@ -5136,152 +5990,6 @@
       </p:grpSpPr>
       <p:sp>
         <p:nvSpPr>
-          <p:cNvPr id="4" name="TextBox 3"/>
-          <p:cNvSpPr txBox="1"/>
-          <p:nvPr/>
-        </p:nvSpPr>
-        <p:spPr>
-          <a:xfrm>
-            <a:off x="799944" y="1916833"/>
-            <a:ext cx="1502334" cy="646331"/>
-          </a:xfrm>
-          <a:prstGeom prst="rect">
-            <a:avLst/>
-          </a:prstGeom>
-          <a:noFill/>
-        </p:spPr>
-        <p:txBody>
-          <a:bodyPr wrap="none" rtlCol="0">
-            <a:spAutoFit/>
-          </a:bodyPr>
-          <a:lstStyle/>
-          <a:p>
-            <a:pPr algn="just"/>
-            <a:r>
-              <a:rPr lang="en-US" altLang="ko-KR" dirty="0" smtClean="0"/>
-              <a:t>email.html</a:t>
-            </a:r>
-          </a:p>
-          <a:p>
-            <a:pPr algn="just"/>
-            <a:r>
-              <a:rPr lang="ko-KR" altLang="en-US" dirty="0" err="1" smtClean="0"/>
-              <a:t>이메일</a:t>
-            </a:r>
-            <a:r>
-              <a:rPr lang="ko-KR" altLang="en-US" dirty="0" smtClean="0"/>
-              <a:t> 목록 </a:t>
-            </a:r>
-            <a:endParaRPr lang="en-US" altLang="ko-KR" dirty="0" smtClean="0"/>
-          </a:p>
-        </p:txBody>
-      </p:sp>
-      <p:sp>
-        <p:nvSpPr>
-          <p:cNvPr id="5" name="TextBox 4"/>
-          <p:cNvSpPr txBox="1"/>
-          <p:nvPr/>
-        </p:nvSpPr>
-        <p:spPr>
-          <a:xfrm>
-            <a:off x="799944" y="2858465"/>
-            <a:ext cx="1875513" cy="646331"/>
-          </a:xfrm>
-          <a:prstGeom prst="rect">
-            <a:avLst/>
-          </a:prstGeom>
-          <a:noFill/>
-        </p:spPr>
-        <p:txBody>
-          <a:bodyPr wrap="none" rtlCol="0">
-            <a:spAutoFit/>
-          </a:bodyPr>
-          <a:lstStyle/>
-          <a:p>
-            <a:pPr algn="just"/>
-            <a:r>
-              <a:rPr lang="en-US" altLang="ko-KR" dirty="0"/>
-              <a:t>e</a:t>
-            </a:r>
-            <a:r>
-              <a:rPr lang="en-US" altLang="ko-KR" dirty="0" smtClean="0"/>
-              <a:t>mail_write.html</a:t>
-            </a:r>
-          </a:p>
-          <a:p>
-            <a:pPr algn="just"/>
-            <a:r>
-              <a:rPr lang="ko-KR" altLang="en-US" dirty="0" err="1" smtClean="0"/>
-              <a:t>이메일</a:t>
-            </a:r>
-            <a:r>
-              <a:rPr lang="ko-KR" altLang="en-US" dirty="0" smtClean="0"/>
-              <a:t> 쓰</a:t>
-            </a:r>
-            <a:r>
-              <a:rPr lang="ko-KR" altLang="en-US" dirty="0"/>
-              <a:t>기</a:t>
-            </a:r>
-            <a:r>
-              <a:rPr lang="ko-KR" altLang="en-US" dirty="0" smtClean="0"/>
-              <a:t> </a:t>
-            </a:r>
-            <a:endParaRPr lang="en-US" altLang="ko-KR" dirty="0" smtClean="0"/>
-          </a:p>
-        </p:txBody>
-      </p:sp>
-      <p:sp>
-        <p:nvSpPr>
-          <p:cNvPr id="6" name="TextBox 5"/>
-          <p:cNvSpPr txBox="1"/>
-          <p:nvPr/>
-        </p:nvSpPr>
-        <p:spPr>
-          <a:xfrm>
-            <a:off x="797540" y="3862789"/>
-            <a:ext cx="1815369" cy="646331"/>
-          </a:xfrm>
-          <a:prstGeom prst="rect">
-            <a:avLst/>
-          </a:prstGeom>
-          <a:noFill/>
-        </p:spPr>
-        <p:txBody>
-          <a:bodyPr wrap="none" rtlCol="0">
-            <a:spAutoFit/>
-          </a:bodyPr>
-          <a:lstStyle/>
-          <a:p>
-            <a:pPr algn="just"/>
-            <a:r>
-              <a:rPr lang="en-US" altLang="ko-KR" dirty="0" smtClean="0"/>
-              <a:t>email_view.html</a:t>
-            </a:r>
-          </a:p>
-          <a:p>
-            <a:pPr algn="just"/>
-            <a:r>
-              <a:rPr lang="ko-KR" altLang="en-US" dirty="0" err="1" smtClean="0"/>
-              <a:t>이메일</a:t>
-            </a:r>
-            <a:r>
-              <a:rPr lang="ko-KR" altLang="en-US" dirty="0" smtClean="0"/>
-              <a:t> 보</a:t>
-            </a:r>
-            <a:r>
-              <a:rPr lang="ko-KR" altLang="en-US" dirty="0"/>
-              <a:t>기</a:t>
-            </a:r>
-            <a:r>
-              <a:rPr lang="ko-KR" altLang="en-US" dirty="0" smtClean="0"/>
-              <a:t> </a:t>
-            </a:r>
-            <a:endParaRPr lang="en-US" altLang="ko-KR" dirty="0" smtClean="0"/>
-          </a:p>
-        </p:txBody>
-      </p:sp>
-      <p:sp>
-        <p:nvSpPr>
           <p:cNvPr id="2" name="TextBox 1"/>
           <p:cNvSpPr txBox="1"/>
           <p:nvPr/>
@@ -5326,10 +6034,106 @@
           </a:p>
         </p:txBody>
       </p:sp>
+      <p:pic>
+        <p:nvPicPr>
+          <p:cNvPr id="1026" name="Picture 2" descr="Z:\업무\git\스토리보드\email_receive.JPG"/>
+          <p:cNvPicPr>
+            <a:picLocks noChangeAspect="1" noChangeArrowheads="1"/>
+          </p:cNvPicPr>
+          <p:nvPr/>
+        </p:nvPicPr>
+        <p:blipFill>
+          <a:blip r:embed="rId2">
+            <a:extLst>
+              <a:ext uri="{28A0092B-C50C-407E-A947-70E740481C1C}">
+                <a14:useLocalDpi xmlns:a14="http://schemas.microsoft.com/office/drawing/2010/main" val="0"/>
+              </a:ext>
+            </a:extLst>
+          </a:blip>
+          <a:srcRect/>
+          <a:stretch>
+            <a:fillRect/>
+          </a:stretch>
+        </p:blipFill>
+        <p:spPr bwMode="auto">
+          <a:xfrm>
+            <a:off x="1061497" y="588750"/>
+            <a:ext cx="7248750" cy="5520066"/>
+          </a:xfrm>
+          <a:prstGeom prst="rect">
+            <a:avLst/>
+          </a:prstGeom>
+          <a:noFill/>
+          <a:extLst>
+            <a:ext uri="{909E8E84-426E-40DD-AFC4-6F175D3DCCD1}">
+              <a14:hiddenFill xmlns:a14="http://schemas.microsoft.com/office/drawing/2010/main">
+                <a:solidFill>
+                  <a:srgbClr val="FFFFFF"/>
+                </a:solidFill>
+              </a14:hiddenFill>
+            </a:ext>
+          </a:extLst>
+        </p:spPr>
+      </p:pic>
+      <p:sp>
+        <p:nvSpPr>
+          <p:cNvPr id="7" name="TextBox 6"/>
+          <p:cNvSpPr txBox="1"/>
+          <p:nvPr/>
+        </p:nvSpPr>
+        <p:spPr>
+          <a:xfrm>
+            <a:off x="2166122" y="6093296"/>
+            <a:ext cx="2425664" cy="646331"/>
+          </a:xfrm>
+          <a:prstGeom prst="rect">
+            <a:avLst/>
+          </a:prstGeom>
+          <a:noFill/>
+        </p:spPr>
+        <p:txBody>
+          <a:bodyPr wrap="none" rtlCol="0">
+            <a:spAutoFit/>
+          </a:bodyPr>
+          <a:lstStyle/>
+          <a:p>
+            <a:pPr algn="just"/>
+            <a:r>
+              <a:rPr lang="en-US" altLang="ko-KR" dirty="0" smtClean="0"/>
+              <a:t>Email_</a:t>
+            </a:r>
+            <a:r>
+              <a:rPr lang="en-US" altLang="ko-KR" dirty="0" smtClean="0"/>
+              <a:t>receive</a:t>
+            </a:r>
+            <a:r>
+              <a:rPr lang="en-US" altLang="ko-KR" dirty="0" smtClean="0"/>
+              <a:t>.html</a:t>
+            </a:r>
+            <a:endParaRPr lang="en-US" altLang="ko-KR" dirty="0" smtClean="0"/>
+          </a:p>
+          <a:p>
+            <a:pPr algn="just"/>
+            <a:r>
+              <a:rPr lang="ko-KR" altLang="en-US" dirty="0" smtClean="0"/>
+              <a:t>수신 </a:t>
+            </a:r>
+            <a:r>
+              <a:rPr lang="ko-KR" altLang="en-US" dirty="0" err="1" smtClean="0"/>
+              <a:t>이메일</a:t>
+            </a:r>
+            <a:r>
+              <a:rPr lang="ko-KR" altLang="en-US" dirty="0" smtClean="0"/>
+              <a:t> 목록보기</a:t>
+            </a:r>
+            <a:endParaRPr lang="en-US" altLang="ko-KR" dirty="0" smtClean="0"/>
+          </a:p>
+        </p:txBody>
+      </p:sp>
     </p:spTree>
     <p:extLst>
       <p:ext uri="{BB962C8B-B14F-4D97-AF65-F5344CB8AC3E}">
-        <p14:creationId xmlns:p14="http://schemas.microsoft.com/office/powerpoint/2010/main" val="3403676750"/>
+        <p14:creationId xmlns:p14="http://schemas.microsoft.com/office/powerpoint/2010/main" val="4187860227"/>
       </p:ext>
     </p:extLst>
   </p:cSld>
@@ -5358,14 +6162,14 @@
       </p:grpSpPr>
       <p:sp>
         <p:nvSpPr>
-          <p:cNvPr id="4" name="TextBox 3"/>
+          <p:cNvPr id="2" name="TextBox 1"/>
           <p:cNvSpPr txBox="1"/>
           <p:nvPr/>
         </p:nvSpPr>
         <p:spPr>
           <a:xfrm>
-            <a:off x="3707904" y="5949280"/>
-            <a:ext cx="1651414" cy="646331"/>
+            <a:off x="251520" y="188640"/>
+            <a:ext cx="1662635" cy="400110"/>
           </a:xfrm>
           <a:prstGeom prst="rect">
             <a:avLst/>
@@ -5378,17 +6182,84 @@
           </a:bodyPr>
           <a:lstStyle/>
           <a:p>
+            <a:r>
+              <a:rPr lang="ko-KR" altLang="en-US" sz="2000" b="1" dirty="0" smtClean="0">
+                <a:solidFill>
+                  <a:srgbClr val="C00000"/>
+                </a:solidFill>
+              </a:rPr>
+              <a:t>메뉴</a:t>
+            </a:r>
+            <a:r>
+              <a:rPr lang="en-US" altLang="ko-KR" sz="2000" b="1" dirty="0" smtClean="0">
+                <a:solidFill>
+                  <a:srgbClr val="C00000"/>
+                </a:solidFill>
+              </a:rPr>
+              <a:t>1. email</a:t>
+            </a:r>
+            <a:endParaRPr lang="ko-KR" altLang="en-US" sz="2000" b="1" dirty="0">
+              <a:solidFill>
+                <a:srgbClr val="C00000"/>
+              </a:solidFill>
+            </a:endParaRPr>
+          </a:p>
+        </p:txBody>
+      </p:sp>
+      <p:sp>
+        <p:nvSpPr>
+          <p:cNvPr id="7" name="TextBox 6"/>
+          <p:cNvSpPr txBox="1"/>
+          <p:nvPr/>
+        </p:nvSpPr>
+        <p:spPr>
+          <a:xfrm>
+            <a:off x="2166122" y="6093296"/>
+            <a:ext cx="2425664" cy="646331"/>
+          </a:xfrm>
+          <a:prstGeom prst="rect">
+            <a:avLst/>
+          </a:prstGeom>
+          <a:noFill/>
+        </p:spPr>
+        <p:txBody>
+          <a:bodyPr wrap="none" rtlCol="0">
+            <a:spAutoFit/>
+          </a:bodyPr>
+          <a:lstStyle/>
+          <a:p>
             <a:pPr algn="just"/>
             <a:r>
               <a:rPr lang="en-US" altLang="ko-KR" dirty="0" smtClean="0"/>
-              <a:t>notice.html</a:t>
-            </a:r>
+              <a:t>Email_</a:t>
+            </a:r>
+            <a:r>
+              <a:rPr lang="en-US" altLang="ko-KR" dirty="0" smtClean="0"/>
+              <a:t>send</a:t>
+            </a:r>
+            <a:r>
+              <a:rPr lang="en-US" altLang="ko-KR" dirty="0" smtClean="0"/>
+              <a:t>.html</a:t>
+            </a:r>
+            <a:endParaRPr lang="en-US" altLang="ko-KR" dirty="0" smtClean="0"/>
           </a:p>
           <a:p>
             <a:pPr algn="just"/>
             <a:r>
+              <a:rPr lang="ko-KR" altLang="en-US" dirty="0"/>
+              <a:t>발</a:t>
+            </a:r>
+            <a:r>
               <a:rPr lang="ko-KR" altLang="en-US" dirty="0" smtClean="0"/>
-              <a:t>공지사항 목록</a:t>
+              <a:t>신 </a:t>
+            </a:r>
+            <a:r>
+              <a:rPr lang="ko-KR" altLang="en-US" dirty="0" err="1" smtClean="0"/>
+              <a:t>이메일</a:t>
+            </a:r>
+            <a:r>
+              <a:rPr lang="ko-KR" altLang="en-US" dirty="0" smtClean="0"/>
+              <a:t> 목록보기</a:t>
             </a:r>
             <a:endParaRPr lang="en-US" altLang="ko-KR" dirty="0" smtClean="0"/>
           </a:p>
@@ -5396,7 +6267,7 @@
       </p:sp>
       <p:pic>
         <p:nvPicPr>
-          <p:cNvPr id="3074" name="Picture 2" descr="Z:\업무\git\스토리보드\notice.jpg"/>
+          <p:cNvPr id="2050" name="Picture 2" descr="Z:\업무\git\스토리보드\email_send.JPG"/>
           <p:cNvPicPr>
             <a:picLocks noChangeAspect="1" noChangeArrowheads="1"/>
           </p:cNvPicPr>
@@ -5417,8 +6288,8 @@
         </p:blipFill>
         <p:spPr bwMode="auto">
           <a:xfrm>
-            <a:off x="910278" y="404664"/>
-            <a:ext cx="7262122" cy="5347768"/>
+            <a:off x="978161" y="620688"/>
+            <a:ext cx="7266247" cy="5377255"/>
           </a:xfrm>
           <a:prstGeom prst="rect">
             <a:avLst/>
@@ -5435,168 +6306,10 @@
           </a:extLst>
         </p:spPr>
       </p:pic>
-      <p:sp>
-        <p:nvSpPr>
-          <p:cNvPr id="3" name="액자 2"/>
-          <p:cNvSpPr/>
-          <p:nvPr/>
-        </p:nvSpPr>
-        <p:spPr>
-          <a:xfrm>
-            <a:off x="5580112" y="1484784"/>
-            <a:ext cx="792088" cy="288032"/>
-          </a:xfrm>
-          <a:prstGeom prst="frame">
-            <a:avLst/>
-          </a:prstGeom>
-          <a:solidFill>
-            <a:srgbClr val="C00000"/>
-          </a:solidFill>
-          <a:ln>
-            <a:noFill/>
-          </a:ln>
-        </p:spPr>
-        <p:style>
-          <a:lnRef idx="2">
-            <a:schemeClr val="accent1">
-              <a:shade val="50000"/>
-            </a:schemeClr>
-          </a:lnRef>
-          <a:fillRef idx="1">
-            <a:schemeClr val="accent1"/>
-          </a:fillRef>
-          <a:effectRef idx="0">
-            <a:schemeClr val="accent1"/>
-          </a:effectRef>
-          <a:fontRef idx="minor">
-            <a:schemeClr val="lt1"/>
-          </a:fontRef>
-        </p:style>
-        <p:txBody>
-          <a:bodyPr rtlCol="0" anchor="ctr"/>
-          <a:lstStyle/>
-          <a:p>
-            <a:pPr algn="ctr"/>
-            <a:endParaRPr lang="ko-KR" altLang="en-US">
-              <a:solidFill>
-                <a:schemeClr val="tx1"/>
-              </a:solidFill>
-            </a:endParaRPr>
-          </a:p>
-        </p:txBody>
-      </p:sp>
-      <p:sp>
-        <p:nvSpPr>
-          <p:cNvPr id="7" name="TextBox 6"/>
-          <p:cNvSpPr txBox="1"/>
-          <p:nvPr/>
-        </p:nvSpPr>
-        <p:spPr>
-          <a:xfrm>
-            <a:off x="4716016" y="1124744"/>
-            <a:ext cx="2957733" cy="307777"/>
-          </a:xfrm>
-          <a:prstGeom prst="rect">
-            <a:avLst/>
-          </a:prstGeom>
-          <a:noFill/>
-        </p:spPr>
-        <p:txBody>
-          <a:bodyPr wrap="none" rtlCol="0">
-            <a:spAutoFit/>
-          </a:bodyPr>
-          <a:lstStyle/>
-          <a:p>
-            <a:r>
-              <a:rPr lang="en-US" altLang="ko-KR" sz="1400" b="1" dirty="0">
-                <a:solidFill>
-                  <a:schemeClr val="bg1"/>
-                </a:solidFill>
-              </a:rPr>
-              <a:t>w</a:t>
-            </a:r>
-            <a:r>
-              <a:rPr lang="en-US" altLang="ko-KR" sz="1400" b="1" dirty="0" smtClean="0">
-                <a:solidFill>
-                  <a:schemeClr val="bg1"/>
-                </a:solidFill>
-              </a:rPr>
-              <a:t>rite</a:t>
-            </a:r>
-            <a:r>
-              <a:rPr lang="ko-KR" altLang="en-US" sz="1400" b="1" dirty="0" smtClean="0">
-                <a:solidFill>
-                  <a:schemeClr val="bg1"/>
-                </a:solidFill>
-              </a:rPr>
-              <a:t>버튼 누르면 글쓰기로 넘어감</a:t>
-            </a:r>
-            <a:endParaRPr lang="ko-KR" altLang="en-US" sz="1400" b="1" dirty="0">
-              <a:solidFill>
-                <a:schemeClr val="bg1"/>
-              </a:solidFill>
-            </a:endParaRPr>
-          </a:p>
-        </p:txBody>
-      </p:sp>
-      <p:sp>
-        <p:nvSpPr>
-          <p:cNvPr id="9" name="TextBox 8"/>
-          <p:cNvSpPr txBox="1"/>
-          <p:nvPr/>
-        </p:nvSpPr>
-        <p:spPr>
-          <a:xfrm>
-            <a:off x="251520" y="188640"/>
-            <a:ext cx="2029723" cy="400110"/>
-          </a:xfrm>
-          <a:prstGeom prst="rect">
-            <a:avLst/>
-          </a:prstGeom>
-          <a:noFill/>
-        </p:spPr>
-        <p:txBody>
-          <a:bodyPr wrap="none" rtlCol="0">
-            <a:spAutoFit/>
-          </a:bodyPr>
-          <a:lstStyle/>
-          <a:p>
-            <a:r>
-              <a:rPr lang="ko-KR" altLang="en-US" sz="2000" b="1" dirty="0" smtClean="0">
-                <a:solidFill>
-                  <a:srgbClr val="C00000"/>
-                </a:solidFill>
-              </a:rPr>
-              <a:t>메뉴</a:t>
-            </a:r>
-            <a:r>
-              <a:rPr lang="en-US" altLang="ko-KR" sz="2000" b="1" dirty="0" smtClean="0">
-                <a:solidFill>
-                  <a:srgbClr val="C00000"/>
-                </a:solidFill>
-              </a:rPr>
-              <a:t>2. </a:t>
-            </a:r>
-            <a:r>
-              <a:rPr lang="ko-KR" altLang="en-US" sz="2000" b="1" dirty="0" smtClean="0">
-                <a:solidFill>
-                  <a:srgbClr val="C00000"/>
-                </a:solidFill>
-              </a:rPr>
-              <a:t>공지사항</a:t>
-            </a:r>
-            <a:endParaRPr lang="ko-KR" altLang="en-US" sz="2000" b="1" dirty="0">
-              <a:solidFill>
-                <a:srgbClr val="C00000"/>
-              </a:solidFill>
-            </a:endParaRPr>
-          </a:p>
-        </p:txBody>
-      </p:sp>
     </p:spTree>
     <p:extLst>
       <p:ext uri="{BB962C8B-B14F-4D97-AF65-F5344CB8AC3E}">
-        <p14:creationId xmlns:p14="http://schemas.microsoft.com/office/powerpoint/2010/main" val="745476389"/>
+        <p14:creationId xmlns:p14="http://schemas.microsoft.com/office/powerpoint/2010/main" val="1287606693"/>
       </p:ext>
     </p:extLst>
   </p:cSld>
@@ -5625,14 +6338,14 @@
       </p:grpSpPr>
       <p:sp>
         <p:nvSpPr>
-          <p:cNvPr id="4" name="TextBox 3"/>
+          <p:cNvPr id="2" name="TextBox 1"/>
           <p:cNvSpPr txBox="1"/>
           <p:nvPr/>
         </p:nvSpPr>
         <p:spPr>
           <a:xfrm>
-            <a:off x="2653132" y="5674022"/>
-            <a:ext cx="3760966" cy="923330"/>
+            <a:off x="251520" y="188640"/>
+            <a:ext cx="1662635" cy="400110"/>
           </a:xfrm>
           <a:prstGeom prst="rect">
             <a:avLst/>
@@ -5645,29 +6358,76 @@
           </a:bodyPr>
           <a:lstStyle/>
           <a:p>
+            <a:r>
+              <a:rPr lang="ko-KR" altLang="en-US" sz="2000" b="1" dirty="0" smtClean="0">
+                <a:solidFill>
+                  <a:srgbClr val="C00000"/>
+                </a:solidFill>
+              </a:rPr>
+              <a:t>메뉴</a:t>
+            </a:r>
+            <a:r>
+              <a:rPr lang="en-US" altLang="ko-KR" sz="2000" b="1" dirty="0" smtClean="0">
+                <a:solidFill>
+                  <a:srgbClr val="C00000"/>
+                </a:solidFill>
+              </a:rPr>
+              <a:t>1. email</a:t>
+            </a:r>
+            <a:endParaRPr lang="ko-KR" altLang="en-US" sz="2000" b="1" dirty="0">
+              <a:solidFill>
+                <a:srgbClr val="C00000"/>
+              </a:solidFill>
+            </a:endParaRPr>
+          </a:p>
+        </p:txBody>
+      </p:sp>
+      <p:sp>
+        <p:nvSpPr>
+          <p:cNvPr id="7" name="TextBox 6"/>
+          <p:cNvSpPr txBox="1"/>
+          <p:nvPr/>
+        </p:nvSpPr>
+        <p:spPr>
+          <a:xfrm>
+            <a:off x="2443601" y="6093296"/>
+            <a:ext cx="1870705" cy="646331"/>
+          </a:xfrm>
+          <a:prstGeom prst="rect">
+            <a:avLst/>
+          </a:prstGeom>
+          <a:noFill/>
+        </p:spPr>
+        <p:txBody>
+          <a:bodyPr wrap="none" rtlCol="0">
+            <a:spAutoFit/>
+          </a:bodyPr>
+          <a:lstStyle/>
+          <a:p>
             <a:pPr algn="just"/>
             <a:r>
               <a:rPr lang="en-US" altLang="ko-KR" dirty="0" smtClean="0"/>
-              <a:t>notice_write.html</a:t>
-            </a:r>
+              <a:t>Email_</a:t>
+            </a:r>
+            <a:r>
+              <a:rPr lang="en-US" altLang="ko-KR" dirty="0" smtClean="0"/>
+              <a:t>write</a:t>
+            </a:r>
+            <a:r>
+              <a:rPr lang="en-US" altLang="ko-KR" dirty="0" smtClean="0"/>
+              <a:t>.html</a:t>
+            </a:r>
+            <a:endParaRPr lang="en-US" altLang="ko-KR" dirty="0" smtClean="0"/>
           </a:p>
           <a:p>
             <a:pPr algn="just"/>
             <a:r>
+              <a:rPr lang="ko-KR" altLang="en-US" dirty="0" err="1" smtClean="0"/>
+              <a:t>이메일</a:t>
+            </a:r>
+            <a:r>
               <a:rPr lang="ko-KR" altLang="en-US" dirty="0" smtClean="0"/>
-              <a:t>공지사항 쓰기</a:t>
-            </a:r>
-            <a:endParaRPr lang="en-US" altLang="ko-KR" dirty="0" smtClean="0"/>
-          </a:p>
-          <a:p>
-            <a:pPr algn="just"/>
-            <a:r>
-              <a:rPr lang="en-US" altLang="ko-KR" dirty="0" err="1" smtClean="0"/>
-              <a:t>Id,pw</a:t>
-            </a:r>
-            <a:r>
-              <a:rPr lang="ko-KR" altLang="en-US" dirty="0" smtClean="0"/>
-              <a:t>는 로그인한 정보를 불러오기</a:t>
+              <a:t> 쓰기</a:t>
             </a:r>
             <a:endParaRPr lang="en-US" altLang="ko-KR" dirty="0" smtClean="0"/>
           </a:p>
@@ -5675,7 +6435,7 @@
       </p:sp>
       <p:pic>
         <p:nvPicPr>
-          <p:cNvPr id="4098" name="Picture 2" descr="Z:\업무\git\스토리보드\notice_write.jpg"/>
+          <p:cNvPr id="3074" name="Picture 2" descr="Z:\업무\git\스토리보드\email_write.JPG"/>
           <p:cNvPicPr>
             <a:picLocks noChangeAspect="1" noChangeArrowheads="1"/>
           </p:cNvPicPr>
@@ -5696,8 +6456,8 @@
         </p:blipFill>
         <p:spPr bwMode="auto">
           <a:xfrm>
-            <a:off x="1259632" y="317672"/>
-            <a:ext cx="6833074" cy="5199560"/>
+            <a:off x="827746" y="573239"/>
+            <a:ext cx="7488670" cy="5376041"/>
           </a:xfrm>
           <a:prstGeom prst="rect">
             <a:avLst/>
@@ -5714,175 +6474,10 @@
           </a:extLst>
         </p:spPr>
       </p:pic>
-      <p:sp>
-        <p:nvSpPr>
-          <p:cNvPr id="5" name="액자 4"/>
-          <p:cNvSpPr/>
-          <p:nvPr/>
-        </p:nvSpPr>
-        <p:spPr>
-          <a:xfrm>
-            <a:off x="5796136" y="1412776"/>
-            <a:ext cx="792088" cy="288032"/>
-          </a:xfrm>
-          <a:prstGeom prst="frame">
-            <a:avLst/>
-          </a:prstGeom>
-          <a:solidFill>
-            <a:srgbClr val="C00000"/>
-          </a:solidFill>
-          <a:ln>
-            <a:noFill/>
-          </a:ln>
-        </p:spPr>
-        <p:style>
-          <a:lnRef idx="2">
-            <a:schemeClr val="accent1">
-              <a:shade val="50000"/>
-            </a:schemeClr>
-          </a:lnRef>
-          <a:fillRef idx="1">
-            <a:schemeClr val="accent1"/>
-          </a:fillRef>
-          <a:effectRef idx="0">
-            <a:schemeClr val="accent1"/>
-          </a:effectRef>
-          <a:fontRef idx="minor">
-            <a:schemeClr val="lt1"/>
-          </a:fontRef>
-        </p:style>
-        <p:txBody>
-          <a:bodyPr rtlCol="0" anchor="ctr"/>
-          <a:lstStyle/>
-          <a:p>
-            <a:pPr algn="ctr"/>
-            <a:endParaRPr lang="ko-KR" altLang="en-US">
-              <a:solidFill>
-                <a:schemeClr val="tx1"/>
-              </a:solidFill>
-            </a:endParaRPr>
-          </a:p>
-        </p:txBody>
-      </p:sp>
-      <p:sp>
-        <p:nvSpPr>
-          <p:cNvPr id="6" name="TextBox 5"/>
-          <p:cNvSpPr txBox="1"/>
-          <p:nvPr/>
-        </p:nvSpPr>
-        <p:spPr>
-          <a:xfrm>
-            <a:off x="5004048" y="817548"/>
-            <a:ext cx="2882456" cy="523220"/>
-          </a:xfrm>
-          <a:prstGeom prst="rect">
-            <a:avLst/>
-          </a:prstGeom>
-          <a:noFill/>
-        </p:spPr>
-        <p:txBody>
-          <a:bodyPr wrap="none" rtlCol="0">
-            <a:spAutoFit/>
-          </a:bodyPr>
-          <a:lstStyle/>
-          <a:p>
-            <a:r>
-              <a:rPr lang="en-US" altLang="ko-KR" sz="1400" b="1" dirty="0" smtClean="0">
-                <a:solidFill>
-                  <a:schemeClr val="bg1"/>
-                </a:solidFill>
-              </a:rPr>
-              <a:t>register</a:t>
-            </a:r>
-            <a:r>
-              <a:rPr lang="ko-KR" altLang="en-US" sz="1400" b="1" dirty="0" smtClean="0">
-                <a:solidFill>
-                  <a:schemeClr val="bg1"/>
-                </a:solidFill>
-              </a:rPr>
-              <a:t>버튼 누르면 등록이 되고 </a:t>
-            </a:r>
-            <a:endParaRPr lang="en-US" altLang="ko-KR" sz="1400" b="1" dirty="0" smtClean="0">
-              <a:solidFill>
-                <a:schemeClr val="bg1"/>
-              </a:solidFill>
-            </a:endParaRPr>
-          </a:p>
-          <a:p>
-            <a:r>
-              <a:rPr lang="ko-KR" altLang="en-US" sz="1400" b="1" dirty="0" smtClean="0">
-                <a:solidFill>
-                  <a:schemeClr val="bg1"/>
-                </a:solidFill>
-              </a:rPr>
-              <a:t>공지사항 목록 보여짐</a:t>
-            </a:r>
-            <a:endParaRPr lang="ko-KR" altLang="en-US" sz="1400" b="1" dirty="0">
-              <a:solidFill>
-                <a:schemeClr val="bg1"/>
-              </a:solidFill>
-            </a:endParaRPr>
-          </a:p>
-        </p:txBody>
-      </p:sp>
-      <p:sp>
-        <p:nvSpPr>
-          <p:cNvPr id="7" name="TextBox 6"/>
-          <p:cNvSpPr txBox="1"/>
-          <p:nvPr/>
-        </p:nvSpPr>
-        <p:spPr>
-          <a:xfrm>
-            <a:off x="251520" y="188640"/>
-            <a:ext cx="2029723" cy="400110"/>
-          </a:xfrm>
-          <a:prstGeom prst="rect">
-            <a:avLst/>
-          </a:prstGeom>
-          <a:noFill/>
-        </p:spPr>
-        <p:txBody>
-          <a:bodyPr wrap="none" rtlCol="0">
-            <a:spAutoFit/>
-          </a:bodyPr>
-          <a:lstStyle/>
-          <a:p>
-            <a:r>
-              <a:rPr lang="ko-KR" altLang="en-US" sz="2000" b="1" dirty="0" smtClean="0">
-                <a:solidFill>
-                  <a:srgbClr val="C00000"/>
-                </a:solidFill>
-              </a:rPr>
-              <a:t>메뉴</a:t>
-            </a:r>
-            <a:r>
-              <a:rPr lang="en-US" altLang="ko-KR" sz="2000" b="1" dirty="0" smtClean="0">
-                <a:solidFill>
-                  <a:srgbClr val="C00000"/>
-                </a:solidFill>
-              </a:rPr>
-              <a:t>2. </a:t>
-            </a:r>
-            <a:r>
-              <a:rPr lang="ko-KR" altLang="en-US" sz="2000" b="1" dirty="0" smtClean="0">
-                <a:solidFill>
-                  <a:srgbClr val="C00000"/>
-                </a:solidFill>
-              </a:rPr>
-              <a:t>공지사항</a:t>
-            </a:r>
-            <a:endParaRPr lang="ko-KR" altLang="en-US" sz="2000" b="1" dirty="0">
-              <a:solidFill>
-                <a:srgbClr val="C00000"/>
-              </a:solidFill>
-            </a:endParaRPr>
-          </a:p>
-        </p:txBody>
-      </p:sp>
     </p:spTree>
     <p:extLst>
       <p:ext uri="{BB962C8B-B14F-4D97-AF65-F5344CB8AC3E}">
-        <p14:creationId xmlns:p14="http://schemas.microsoft.com/office/powerpoint/2010/main" val="2069406642"/>
+        <p14:creationId xmlns:p14="http://schemas.microsoft.com/office/powerpoint/2010/main" val="1406356736"/>
       </p:ext>
     </p:extLst>
   </p:cSld>
@@ -5911,14 +6506,14 @@
       </p:grpSpPr>
       <p:sp>
         <p:nvSpPr>
-          <p:cNvPr id="4" name="TextBox 3"/>
+          <p:cNvPr id="2" name="TextBox 1"/>
           <p:cNvSpPr txBox="1"/>
           <p:nvPr/>
         </p:nvSpPr>
         <p:spPr>
           <a:xfrm>
-            <a:off x="3585855" y="5807005"/>
-            <a:ext cx="1895519" cy="646331"/>
+            <a:off x="251520" y="188640"/>
+            <a:ext cx="1662635" cy="400110"/>
           </a:xfrm>
           <a:prstGeom prst="rect">
             <a:avLst/>
@@ -5931,21 +6526,76 @@
           </a:bodyPr>
           <a:lstStyle/>
           <a:p>
+            <a:r>
+              <a:rPr lang="ko-KR" altLang="en-US" sz="2000" b="1" dirty="0" smtClean="0">
+                <a:solidFill>
+                  <a:srgbClr val="C00000"/>
+                </a:solidFill>
+              </a:rPr>
+              <a:t>메뉴</a:t>
+            </a:r>
+            <a:r>
+              <a:rPr lang="en-US" altLang="ko-KR" sz="2000" b="1" dirty="0" smtClean="0">
+                <a:solidFill>
+                  <a:srgbClr val="C00000"/>
+                </a:solidFill>
+              </a:rPr>
+              <a:t>1. email</a:t>
+            </a:r>
+            <a:endParaRPr lang="ko-KR" altLang="en-US" sz="2000" b="1" dirty="0">
+              <a:solidFill>
+                <a:srgbClr val="C00000"/>
+              </a:solidFill>
+            </a:endParaRPr>
+          </a:p>
+        </p:txBody>
+      </p:sp>
+      <p:sp>
+        <p:nvSpPr>
+          <p:cNvPr id="7" name="TextBox 6"/>
+          <p:cNvSpPr txBox="1"/>
+          <p:nvPr/>
+        </p:nvSpPr>
+        <p:spPr>
+          <a:xfrm>
+            <a:off x="2437832" y="6093296"/>
+            <a:ext cx="1882247" cy="646331"/>
+          </a:xfrm>
+          <a:prstGeom prst="rect">
+            <a:avLst/>
+          </a:prstGeom>
+          <a:noFill/>
+        </p:spPr>
+        <p:txBody>
+          <a:bodyPr wrap="none" rtlCol="0">
+            <a:spAutoFit/>
+          </a:bodyPr>
+          <a:lstStyle/>
+          <a:p>
             <a:pPr algn="just"/>
             <a:r>
               <a:rPr lang="en-US" altLang="ko-KR" dirty="0" smtClean="0"/>
-              <a:t>notice_view.html</a:t>
-            </a:r>
+              <a:t>Email_</a:t>
+            </a:r>
+            <a:r>
+              <a:rPr lang="en-US" altLang="ko-KR" dirty="0" smtClean="0"/>
+              <a:t>view</a:t>
+            </a:r>
+            <a:r>
+              <a:rPr lang="en-US" altLang="ko-KR" dirty="0" smtClean="0"/>
+              <a:t>.html</a:t>
+            </a:r>
+            <a:endParaRPr lang="en-US" altLang="ko-KR" dirty="0" smtClean="0"/>
           </a:p>
           <a:p>
             <a:pPr algn="just"/>
             <a:r>
+              <a:rPr lang="ko-KR" altLang="en-US" dirty="0" err="1" smtClean="0"/>
+              <a:t>이메일</a:t>
+            </a:r>
+            <a:r>
               <a:rPr lang="ko-KR" altLang="en-US" dirty="0" smtClean="0"/>
-              <a:t>공지사항 </a:t>
-            </a:r>
-            <a:r>
-              <a:rPr lang="ko-KR" altLang="en-US" dirty="0" err="1" smtClean="0"/>
-              <a:t>글보기</a:t>
+              <a:t> 확인하기</a:t>
             </a:r>
             <a:endParaRPr lang="en-US" altLang="ko-KR" dirty="0" smtClean="0"/>
           </a:p>
@@ -5953,7 +6603,7 @@
       </p:sp>
       <p:pic>
         <p:nvPicPr>
-          <p:cNvPr id="5122" name="Picture 2" descr="Z:\업무\git\스토리보드\notice_view.jpg"/>
+          <p:cNvPr id="4099" name="Picture 3" descr="Z:\업무\git\스토리보드\email_view.JPG"/>
           <p:cNvPicPr>
             <a:picLocks noChangeAspect="1" noChangeArrowheads="1"/>
           </p:cNvPicPr>
@@ -5974,8 +6624,8 @@
         </p:blipFill>
         <p:spPr bwMode="auto">
           <a:xfrm>
-            <a:off x="737516" y="228798"/>
-            <a:ext cx="7592197" cy="5445224"/>
+            <a:off x="899592" y="591021"/>
+            <a:ext cx="7398804" cy="5502275"/>
           </a:xfrm>
           <a:prstGeom prst="rect">
             <a:avLst/>
@@ -5992,294 +6642,10 @@
           </a:extLst>
         </p:spPr>
       </p:pic>
-      <p:sp>
-        <p:nvSpPr>
-          <p:cNvPr id="5" name="액자 4"/>
-          <p:cNvSpPr/>
-          <p:nvPr/>
-        </p:nvSpPr>
-        <p:spPr>
-          <a:xfrm>
-            <a:off x="5076056" y="1124744"/>
-            <a:ext cx="792088" cy="288032"/>
-          </a:xfrm>
-          <a:prstGeom prst="frame">
-            <a:avLst/>
-          </a:prstGeom>
-          <a:solidFill>
-            <a:srgbClr val="C00000"/>
-          </a:solidFill>
-          <a:ln>
-            <a:noFill/>
-          </a:ln>
-        </p:spPr>
-        <p:style>
-          <a:lnRef idx="2">
-            <a:schemeClr val="accent1">
-              <a:shade val="50000"/>
-            </a:schemeClr>
-          </a:lnRef>
-          <a:fillRef idx="1">
-            <a:schemeClr val="accent1"/>
-          </a:fillRef>
-          <a:effectRef idx="0">
-            <a:schemeClr val="accent1"/>
-          </a:effectRef>
-          <a:fontRef idx="minor">
-            <a:schemeClr val="lt1"/>
-          </a:fontRef>
-        </p:style>
-        <p:txBody>
-          <a:bodyPr rtlCol="0" anchor="ctr"/>
-          <a:lstStyle/>
-          <a:p>
-            <a:pPr algn="ctr"/>
-            <a:endParaRPr lang="ko-KR" altLang="en-US">
-              <a:solidFill>
-                <a:schemeClr val="tx1"/>
-              </a:solidFill>
-            </a:endParaRPr>
-          </a:p>
-        </p:txBody>
-      </p:sp>
-      <p:sp>
-        <p:nvSpPr>
-          <p:cNvPr id="6" name="TextBox 5"/>
-          <p:cNvSpPr txBox="1"/>
-          <p:nvPr/>
-        </p:nvSpPr>
-        <p:spPr>
-          <a:xfrm>
-            <a:off x="4211960" y="692696"/>
-            <a:ext cx="3732560" cy="307777"/>
-          </a:xfrm>
-          <a:prstGeom prst="rect">
-            <a:avLst/>
-          </a:prstGeom>
-          <a:noFill/>
-        </p:spPr>
-        <p:txBody>
-          <a:bodyPr wrap="none" rtlCol="0">
-            <a:spAutoFit/>
-          </a:bodyPr>
-          <a:lstStyle/>
-          <a:p>
-            <a:r>
-              <a:rPr lang="en-US" altLang="ko-KR" sz="1400" b="1" dirty="0" smtClean="0">
-                <a:solidFill>
-                  <a:schemeClr val="bg1"/>
-                </a:solidFill>
-              </a:rPr>
-              <a:t>modify</a:t>
-            </a:r>
-            <a:r>
-              <a:rPr lang="ko-KR" altLang="en-US" sz="1400" b="1" dirty="0" smtClean="0">
-                <a:solidFill>
-                  <a:schemeClr val="bg1"/>
-                </a:solidFill>
-              </a:rPr>
-              <a:t>버튼 누르면 </a:t>
-            </a:r>
-            <a:r>
-              <a:rPr lang="ko-KR" altLang="en-US" sz="1400" b="1" dirty="0" err="1" smtClean="0">
-                <a:solidFill>
-                  <a:schemeClr val="bg1"/>
-                </a:solidFill>
-              </a:rPr>
-              <a:t>글수정</a:t>
-            </a:r>
-            <a:r>
-              <a:rPr lang="ko-KR" altLang="en-US" sz="1400" b="1" dirty="0" smtClean="0">
-                <a:solidFill>
-                  <a:schemeClr val="bg1"/>
-                </a:solidFill>
-              </a:rPr>
-              <a:t> 페이지로 넘어감</a:t>
-            </a:r>
-            <a:endParaRPr lang="ko-KR" altLang="en-US" sz="1400" b="1" dirty="0">
-              <a:solidFill>
-                <a:schemeClr val="bg1"/>
-              </a:solidFill>
-            </a:endParaRPr>
-          </a:p>
-        </p:txBody>
-      </p:sp>
-      <p:sp>
-        <p:nvSpPr>
-          <p:cNvPr id="7" name="액자 6"/>
-          <p:cNvSpPr/>
-          <p:nvPr/>
-        </p:nvSpPr>
-        <p:spPr>
-          <a:xfrm>
-            <a:off x="5940152" y="1124744"/>
-            <a:ext cx="792088" cy="288032"/>
-          </a:xfrm>
-          <a:prstGeom prst="frame">
-            <a:avLst/>
-          </a:prstGeom>
-          <a:solidFill>
-            <a:srgbClr val="C00000"/>
-          </a:solidFill>
-          <a:ln>
-            <a:noFill/>
-          </a:ln>
-        </p:spPr>
-        <p:style>
-          <a:lnRef idx="2">
-            <a:schemeClr val="accent1">
-              <a:shade val="50000"/>
-            </a:schemeClr>
-          </a:lnRef>
-          <a:fillRef idx="1">
-            <a:schemeClr val="accent1"/>
-          </a:fillRef>
-          <a:effectRef idx="0">
-            <a:schemeClr val="accent1"/>
-          </a:effectRef>
-          <a:fontRef idx="minor">
-            <a:schemeClr val="lt1"/>
-          </a:fontRef>
-        </p:style>
-        <p:txBody>
-          <a:bodyPr rtlCol="0" anchor="ctr"/>
-          <a:lstStyle/>
-          <a:p>
-            <a:pPr algn="ctr"/>
-            <a:endParaRPr lang="ko-KR" altLang="en-US">
-              <a:solidFill>
-                <a:schemeClr val="tx1"/>
-              </a:solidFill>
-            </a:endParaRPr>
-          </a:p>
-        </p:txBody>
-      </p:sp>
-      <p:sp>
-        <p:nvSpPr>
-          <p:cNvPr id="8" name="TextBox 7"/>
-          <p:cNvSpPr txBox="1"/>
-          <p:nvPr/>
-        </p:nvSpPr>
-        <p:spPr>
-          <a:xfrm>
-            <a:off x="5831914" y="1340768"/>
-            <a:ext cx="2517741" cy="738664"/>
-          </a:xfrm>
-          <a:prstGeom prst="rect">
-            <a:avLst/>
-          </a:prstGeom>
-          <a:noFill/>
-        </p:spPr>
-        <p:txBody>
-          <a:bodyPr wrap="none" rtlCol="0">
-            <a:spAutoFit/>
-          </a:bodyPr>
-          <a:lstStyle/>
-          <a:p>
-            <a:r>
-              <a:rPr lang="en-US" altLang="ko-KR" sz="1400" b="1" dirty="0" smtClean="0"/>
-              <a:t>delete</a:t>
-            </a:r>
-            <a:r>
-              <a:rPr lang="ko-KR" altLang="en-US" sz="1400" b="1" dirty="0" smtClean="0"/>
-              <a:t>버튼 누르면 </a:t>
-            </a:r>
-            <a:endParaRPr lang="en-US" altLang="ko-KR" sz="1400" b="1" dirty="0" smtClean="0"/>
-          </a:p>
-          <a:p>
-            <a:r>
-              <a:rPr lang="en-US" altLang="ko-KR" sz="1400" b="1" dirty="0" smtClean="0"/>
-              <a:t>pw</a:t>
-            </a:r>
-            <a:r>
-              <a:rPr lang="ko-KR" altLang="en-US" sz="1400" b="1" dirty="0" smtClean="0"/>
-              <a:t> 확인</a:t>
-            </a:r>
-            <a:r>
-              <a:rPr lang="en-US" altLang="ko-KR" sz="1400" b="1" dirty="0"/>
-              <a:t> a</a:t>
-            </a:r>
-            <a:r>
-              <a:rPr lang="en-US" altLang="ko-KR" sz="1400" b="1" dirty="0" smtClean="0"/>
-              <a:t>lert</a:t>
-            </a:r>
-            <a:r>
-              <a:rPr lang="ko-KR" altLang="en-US" sz="1400" b="1" dirty="0" smtClean="0"/>
-              <a:t>창이 띄워지고 </a:t>
-            </a:r>
-            <a:endParaRPr lang="en-US" altLang="ko-KR" sz="1400" b="1" dirty="0" smtClean="0"/>
-          </a:p>
-          <a:p>
-            <a:r>
-              <a:rPr lang="en-US" altLang="ko-KR" sz="1400" b="1" dirty="0" smtClean="0"/>
-              <a:t>pw</a:t>
-            </a:r>
-            <a:r>
-              <a:rPr lang="ko-KR" altLang="en-US" sz="1400" b="1" dirty="0" smtClean="0"/>
-              <a:t>가 맞아야 삭제 가능</a:t>
-            </a:r>
-            <a:endParaRPr lang="ko-KR" altLang="en-US" sz="1400" b="1" dirty="0"/>
-          </a:p>
-        </p:txBody>
-      </p:sp>
-      <p:sp>
-        <p:nvSpPr>
-          <p:cNvPr id="9" name="TextBox 8"/>
-          <p:cNvSpPr txBox="1"/>
-          <p:nvPr/>
-        </p:nvSpPr>
-        <p:spPr>
-          <a:xfrm>
-            <a:off x="251520" y="188640"/>
-            <a:ext cx="2029723" cy="400110"/>
-          </a:xfrm>
-          <a:prstGeom prst="rect">
-            <a:avLst/>
-          </a:prstGeom>
-          <a:noFill/>
-        </p:spPr>
-        <p:txBody>
-          <a:bodyPr wrap="none" rtlCol="0">
-            <a:spAutoFit/>
-          </a:bodyPr>
-          <a:lstStyle/>
-          <a:p>
-            <a:r>
-              <a:rPr lang="ko-KR" altLang="en-US" sz="2000" b="1" dirty="0" smtClean="0">
-                <a:solidFill>
-                  <a:srgbClr val="C00000"/>
-                </a:solidFill>
-              </a:rPr>
-              <a:t>메뉴</a:t>
-            </a:r>
-            <a:r>
-              <a:rPr lang="en-US" altLang="ko-KR" sz="2000" b="1" dirty="0" smtClean="0">
-                <a:solidFill>
-                  <a:srgbClr val="C00000"/>
-                </a:solidFill>
-              </a:rPr>
-              <a:t>2. </a:t>
-            </a:r>
-            <a:r>
-              <a:rPr lang="ko-KR" altLang="en-US" sz="2000" b="1" dirty="0" smtClean="0">
-                <a:solidFill>
-                  <a:srgbClr val="C00000"/>
-                </a:solidFill>
-              </a:rPr>
-              <a:t>공지사항</a:t>
-            </a:r>
-            <a:endParaRPr lang="ko-KR" altLang="en-US" sz="2000" b="1" dirty="0">
-              <a:solidFill>
-                <a:srgbClr val="C00000"/>
-              </a:solidFill>
-            </a:endParaRPr>
-          </a:p>
-        </p:txBody>
-      </p:sp>
     </p:spTree>
     <p:extLst>
       <p:ext uri="{BB962C8B-B14F-4D97-AF65-F5344CB8AC3E}">
-        <p14:creationId xmlns:p14="http://schemas.microsoft.com/office/powerpoint/2010/main" val="3300247124"/>
+        <p14:creationId xmlns:p14="http://schemas.microsoft.com/office/powerpoint/2010/main" val="859643954"/>
       </p:ext>
     </p:extLst>
   </p:cSld>
@@ -6314,8 +6680,8 @@
         </p:nvSpPr>
         <p:spPr>
           <a:xfrm>
-            <a:off x="3453928" y="5807005"/>
-            <a:ext cx="2159374" cy="646331"/>
+            <a:off x="3707904" y="5949280"/>
+            <a:ext cx="1651414" cy="646331"/>
           </a:xfrm>
           <a:prstGeom prst="rect">
             <a:avLst/>
@@ -6331,22 +6697,14 @@
             <a:pPr algn="just"/>
             <a:r>
               <a:rPr lang="en-US" altLang="ko-KR" dirty="0" smtClean="0"/>
-              <a:t>notice_modify.html</a:t>
+              <a:t>notice.html</a:t>
             </a:r>
           </a:p>
           <a:p>
             <a:pPr algn="just"/>
             <a:r>
               <a:rPr lang="ko-KR" altLang="en-US" dirty="0" smtClean="0"/>
-              <a:t>공지사항 </a:t>
-            </a:r>
-            <a:r>
-              <a:rPr lang="ko-KR" altLang="en-US" dirty="0" err="1" smtClean="0"/>
-              <a:t>글수</a:t>
-            </a:r>
-            <a:r>
-              <a:rPr lang="ko-KR" altLang="en-US" dirty="0" err="1"/>
-              <a:t>정</a:t>
+              <a:t>공지사항 목록</a:t>
             </a:r>
             <a:endParaRPr lang="en-US" altLang="ko-KR" dirty="0" smtClean="0"/>
           </a:p>
@@ -6354,7 +6712,7 @@
       </p:sp>
       <p:pic>
         <p:nvPicPr>
-          <p:cNvPr id="6146" name="Picture 2" descr="Z:\업무\git\스토리보드\notice_modify.jpg"/>
+          <p:cNvPr id="3074" name="Picture 2" descr="Z:\업무\git\스토리보드\notice.jpg"/>
           <p:cNvPicPr>
             <a:picLocks noChangeAspect="1" noChangeArrowheads="1"/>
           </p:cNvPicPr>
@@ -6375,8 +6733,8 @@
         </p:blipFill>
         <p:spPr bwMode="auto">
           <a:xfrm>
-            <a:off x="899592" y="188640"/>
-            <a:ext cx="7200800" cy="5369118"/>
+            <a:off x="910278" y="404664"/>
+            <a:ext cx="7262122" cy="5347768"/>
           </a:xfrm>
           <a:prstGeom prst="rect">
             <a:avLst/>
@@ -6395,13 +6753,13 @@
       </p:pic>
       <p:sp>
         <p:nvSpPr>
-          <p:cNvPr id="5" name="액자 4"/>
+          <p:cNvPr id="3" name="액자 2"/>
           <p:cNvSpPr/>
           <p:nvPr/>
         </p:nvSpPr>
         <p:spPr>
           <a:xfrm>
-            <a:off x="5663976" y="1268760"/>
+            <a:off x="5580112" y="1484784"/>
             <a:ext cx="792088" cy="288032"/>
           </a:xfrm>
           <a:prstGeom prst="frame">
@@ -6445,14 +6803,14 @@
       </p:sp>
       <p:sp>
         <p:nvSpPr>
-          <p:cNvPr id="6" name="TextBox 5"/>
+          <p:cNvPr id="7" name="TextBox 6"/>
           <p:cNvSpPr txBox="1"/>
           <p:nvPr/>
         </p:nvSpPr>
         <p:spPr>
           <a:xfrm>
-            <a:off x="4788024" y="673532"/>
-            <a:ext cx="3241528" cy="523220"/>
+            <a:off x="4716016" y="1124744"/>
+            <a:ext cx="2957733" cy="307777"/>
           </a:xfrm>
           <a:prstGeom prst="rect">
             <a:avLst/>
@@ -6466,12 +6824,20 @@
           <a:lstStyle/>
           <a:p>
             <a:r>
+              <a:rPr lang="en-US" altLang="ko-KR" sz="1400" b="1" dirty="0">
+                <a:solidFill>
+                  <a:schemeClr val="bg1"/>
+                </a:solidFill>
+              </a:rPr>
+              <a:t>w</a:t>
+            </a:r>
+            <a:r>
               <a:rPr lang="en-US" altLang="ko-KR" sz="1400" b="1" dirty="0" smtClean="0">
                 <a:solidFill>
                   <a:schemeClr val="bg1"/>
                 </a:solidFill>
               </a:rPr>
-              <a:t>register</a:t>
+              <a:t>rite</a:t>
             </a:r>
             <a:r>
               <a:rPr lang="ko-KR" altLang="en-US" sz="1400" b="1" dirty="0" smtClean="0">
@@ -6479,22 +6845,7 @@
                   <a:schemeClr val="bg1"/>
                 </a:solidFill>
               </a:rPr>
-              <a:t>버튼 누르면 수정완료 된 글이</a:t>
-            </a:r>
-            <a:endParaRPr lang="en-US" altLang="ko-KR" sz="1400" b="1" dirty="0" smtClean="0">
-              <a:solidFill>
-                <a:schemeClr val="bg1"/>
-              </a:solidFill>
-            </a:endParaRPr>
-          </a:p>
-          <a:p>
-            <a:r>
-              <a:rPr lang="ko-KR" altLang="en-US" sz="1400" b="1" dirty="0" smtClean="0">
-                <a:solidFill>
-                  <a:schemeClr val="bg1"/>
-                </a:solidFill>
-              </a:rPr>
-              <a:t>올라간 목록페이지로 넘어감</a:t>
+              <a:t>버튼 누르면 글쓰기로 넘어감</a:t>
             </a:r>
             <a:endParaRPr lang="ko-KR" altLang="en-US" sz="1400" b="1" dirty="0">
               <a:solidFill>
@@ -6506,7 +6857,7 @@
       </p:sp>
       <p:sp>
         <p:nvSpPr>
-          <p:cNvPr id="7" name="TextBox 6"/>
+          <p:cNvPr id="9" name="TextBox 8"/>
           <p:cNvSpPr txBox="1"/>
           <p:nvPr/>
         </p:nvSpPr>
@@ -6561,7 +6912,7 @@
     </p:spTree>
     <p:extLst>
       <p:ext uri="{BB962C8B-B14F-4D97-AF65-F5344CB8AC3E}">
-        <p14:creationId xmlns:p14="http://schemas.microsoft.com/office/powerpoint/2010/main" val="988631051"/>
+        <p14:creationId xmlns:p14="http://schemas.microsoft.com/office/powerpoint/2010/main" val="745476389"/>
       </p:ext>
     </p:extLst>
   </p:cSld>
@@ -6596,8 +6947,8 @@
         </p:nvSpPr>
         <p:spPr>
           <a:xfrm>
-            <a:off x="3436199" y="5807005"/>
-            <a:ext cx="2194832" cy="646331"/>
+            <a:off x="2653132" y="5674022"/>
+            <a:ext cx="3760966" cy="923330"/>
           </a:xfrm>
           <a:prstGeom prst="rect">
             <a:avLst/>
@@ -6613,15 +6964,26 @@
             <a:pPr algn="just"/>
             <a:r>
               <a:rPr lang="en-US" altLang="ko-KR" dirty="0" smtClean="0"/>
-              <a:t>schedule.html</a:t>
-            </a:r>
-            <a:endParaRPr lang="en-US" altLang="ko-KR" dirty="0"/>
+              <a:t>notice_write.html</a:t>
+            </a:r>
           </a:p>
           <a:p>
             <a:pPr algn="just"/>
             <a:r>
               <a:rPr lang="ko-KR" altLang="en-US" dirty="0" smtClean="0"/>
-              <a:t>스케줄 관리 페이지</a:t>
+              <a:t>공지사항 쓰기</a:t>
+            </a:r>
+            <a:endParaRPr lang="en-US" altLang="ko-KR" dirty="0" smtClean="0"/>
+          </a:p>
+          <a:p>
+            <a:pPr algn="just"/>
+            <a:r>
+              <a:rPr lang="en-US" altLang="ko-KR" dirty="0" err="1" smtClean="0"/>
+              <a:t>Id,pw</a:t>
+            </a:r>
+            <a:r>
+              <a:rPr lang="ko-KR" altLang="en-US" dirty="0" smtClean="0"/>
+              <a:t>는 로그인한 정보를 불러오기</a:t>
             </a:r>
             <a:endParaRPr lang="en-US" altLang="ko-KR" dirty="0" smtClean="0"/>
           </a:p>
@@ -6629,7 +6991,7 @@
       </p:sp>
       <p:pic>
         <p:nvPicPr>
-          <p:cNvPr id="7170" name="Picture 2" descr="Z:\업무\git\스토리보드\schedule.JPG"/>
+          <p:cNvPr id="4098" name="Picture 2" descr="Z:\업무\git\스토리보드\notice_write.jpg"/>
           <p:cNvPicPr>
             <a:picLocks noChangeAspect="1" noChangeArrowheads="1"/>
           </p:cNvPicPr>
@@ -6650,8 +7012,8 @@
         </p:blipFill>
         <p:spPr bwMode="auto">
           <a:xfrm>
-            <a:off x="1259632" y="404664"/>
-            <a:ext cx="7226461" cy="5298232"/>
+            <a:off x="1259632" y="317672"/>
+            <a:ext cx="6833074" cy="5199560"/>
           </a:xfrm>
           <a:prstGeom prst="rect">
             <a:avLst/>
@@ -6670,6 +7032,117 @@
       </p:pic>
       <p:sp>
         <p:nvSpPr>
+          <p:cNvPr id="5" name="액자 4"/>
+          <p:cNvSpPr/>
+          <p:nvPr/>
+        </p:nvSpPr>
+        <p:spPr>
+          <a:xfrm>
+            <a:off x="5796136" y="1412776"/>
+            <a:ext cx="792088" cy="288032"/>
+          </a:xfrm>
+          <a:prstGeom prst="frame">
+            <a:avLst/>
+          </a:prstGeom>
+          <a:solidFill>
+            <a:srgbClr val="C00000"/>
+          </a:solidFill>
+          <a:ln>
+            <a:noFill/>
+          </a:ln>
+        </p:spPr>
+        <p:style>
+          <a:lnRef idx="2">
+            <a:schemeClr val="accent1">
+              <a:shade val="50000"/>
+            </a:schemeClr>
+          </a:lnRef>
+          <a:fillRef idx="1">
+            <a:schemeClr val="accent1"/>
+          </a:fillRef>
+          <a:effectRef idx="0">
+            <a:schemeClr val="accent1"/>
+          </a:effectRef>
+          <a:fontRef idx="minor">
+            <a:schemeClr val="lt1"/>
+          </a:fontRef>
+        </p:style>
+        <p:txBody>
+          <a:bodyPr rtlCol="0" anchor="ctr"/>
+          <a:lstStyle/>
+          <a:p>
+            <a:pPr algn="ctr"/>
+            <a:endParaRPr lang="ko-KR" altLang="en-US">
+              <a:solidFill>
+                <a:schemeClr val="tx1"/>
+              </a:solidFill>
+            </a:endParaRPr>
+          </a:p>
+        </p:txBody>
+      </p:sp>
+      <p:sp>
+        <p:nvSpPr>
+          <p:cNvPr id="6" name="TextBox 5"/>
+          <p:cNvSpPr txBox="1"/>
+          <p:nvPr/>
+        </p:nvSpPr>
+        <p:spPr>
+          <a:xfrm>
+            <a:off x="5004048" y="817548"/>
+            <a:ext cx="2882456" cy="523220"/>
+          </a:xfrm>
+          <a:prstGeom prst="rect">
+            <a:avLst/>
+          </a:prstGeom>
+          <a:noFill/>
+        </p:spPr>
+        <p:txBody>
+          <a:bodyPr wrap="none" rtlCol="0">
+            <a:spAutoFit/>
+          </a:bodyPr>
+          <a:lstStyle/>
+          <a:p>
+            <a:r>
+              <a:rPr lang="en-US" altLang="ko-KR" sz="1400" b="1" dirty="0" smtClean="0">
+                <a:solidFill>
+                  <a:schemeClr val="bg1"/>
+                </a:solidFill>
+              </a:rPr>
+              <a:t>register</a:t>
+            </a:r>
+            <a:r>
+              <a:rPr lang="ko-KR" altLang="en-US" sz="1400" b="1" dirty="0" smtClean="0">
+                <a:solidFill>
+                  <a:schemeClr val="bg1"/>
+                </a:solidFill>
+              </a:rPr>
+              <a:t>버튼 누르면 등록이 되고 </a:t>
+            </a:r>
+            <a:endParaRPr lang="en-US" altLang="ko-KR" sz="1400" b="1" dirty="0" smtClean="0">
+              <a:solidFill>
+                <a:schemeClr val="bg1"/>
+              </a:solidFill>
+            </a:endParaRPr>
+          </a:p>
+          <a:p>
+            <a:r>
+              <a:rPr lang="ko-KR" altLang="en-US" sz="1400" b="1" dirty="0" smtClean="0">
+                <a:solidFill>
+                  <a:schemeClr val="bg1"/>
+                </a:solidFill>
+              </a:rPr>
+              <a:t>공지사항 목록 보여짐</a:t>
+            </a:r>
+            <a:endParaRPr lang="ko-KR" altLang="en-US" sz="1400" b="1" dirty="0">
+              <a:solidFill>
+                <a:schemeClr val="bg1"/>
+              </a:solidFill>
+            </a:endParaRPr>
+          </a:p>
+        </p:txBody>
+      </p:sp>
+      <p:sp>
+        <p:nvSpPr>
           <p:cNvPr id="7" name="TextBox 6"/>
           <p:cNvSpPr txBox="1"/>
           <p:nvPr/>
@@ -6677,7 +7150,7 @@
         <p:spPr>
           <a:xfrm>
             <a:off x="251520" y="188640"/>
-            <a:ext cx="2375971" cy="400110"/>
+            <a:ext cx="2029723" cy="400110"/>
           </a:xfrm>
           <a:prstGeom prst="rect">
             <a:avLst/>
@@ -6699,28 +7172,20 @@
               <a:t>메뉴</a:t>
             </a:r>
             <a:r>
-              <a:rPr lang="en-US" altLang="ko-KR" sz="2000" b="1" dirty="0">
+              <a:rPr lang="en-US" altLang="ko-KR" sz="2000" b="1" dirty="0" smtClean="0">
                 <a:solidFill>
                   <a:srgbClr val="C00000"/>
                 </a:solidFill>
               </a:rPr>
-              <a:t>3</a:t>
-            </a:r>
-            <a:r>
-              <a:rPr lang="en-US" altLang="ko-KR" sz="2000" b="1" dirty="0" smtClean="0">
+              <a:t>2. </a:t>
+            </a:r>
+            <a:r>
+              <a:rPr lang="ko-KR" altLang="en-US" sz="2000" b="1" dirty="0" smtClean="0">
                 <a:solidFill>
                   <a:srgbClr val="C00000"/>
                 </a:solidFill>
               </a:rPr>
-              <a:t>. </a:t>
-            </a:r>
-            <a:r>
-              <a:rPr lang="ko-KR" altLang="en-US" sz="2000" b="1" dirty="0" smtClean="0">
-                <a:solidFill>
-                  <a:srgbClr val="C00000"/>
-                </a:solidFill>
-              </a:rPr>
-              <a:t>스케줄 관리</a:t>
+              <a:t>공지사항</a:t>
             </a:r>
             <a:endParaRPr lang="ko-KR" altLang="en-US" sz="2000" b="1" dirty="0">
               <a:solidFill>
@@ -6733,7 +7198,7 @@
     </p:spTree>
     <p:extLst>
       <p:ext uri="{BB962C8B-B14F-4D97-AF65-F5344CB8AC3E}">
-        <p14:creationId xmlns:p14="http://schemas.microsoft.com/office/powerpoint/2010/main" val="1427579533"/>
+        <p14:creationId xmlns:p14="http://schemas.microsoft.com/office/powerpoint/2010/main" val="2069406642"/>
       </p:ext>
     </p:extLst>
   </p:cSld>
